--- a/Open_Refine/Data Cleaning with Open Refine.pptx
+++ b/Open_Refine/Data Cleaning with Open Refine.pptx
@@ -1,35 +1,24 @@
 
 <file path=ppt/presentation.xml><?xml version="1.0" encoding="utf-8"?>
-<p:presentation xmlns:a="http://schemas.openxmlformats.org/drawingml/2006/main" xmlns:r="http://schemas.openxmlformats.org/officeDocument/2006/relationships" xmlns:mc="http://schemas.openxmlformats.org/markup-compatibility/2006" xmlns:mv="urn:schemas-microsoft-com:mac:vml" xmlns:p="http://schemas.openxmlformats.org/presentationml/2006/main" xmlns:c="http://schemas.openxmlformats.org/drawingml/2006/chart" xmlns:dgm="http://schemas.openxmlformats.org/drawingml/2006/diagram" xmlns:o="urn:schemas-microsoft-com:office:office" xmlns:v="urn:schemas-microsoft-com:vml" xmlns:pvml="urn:schemas-microsoft-com:office:powerpoint" xmlns:com="http://schemas.openxmlformats.org/drawingml/2006/compatibility" xmlns:p14="http://schemas.microsoft.com/office/powerpoint/2010/main" autoCompressPictures="0" embedTrueTypeFonts="1" strictFirstAndLastChars="0" saveSubsetFonts="1">
+<p:presentation xmlns:a="http://schemas.openxmlformats.org/drawingml/2006/main" xmlns:r="http://schemas.openxmlformats.org/officeDocument/2006/relationships" xmlns:p="http://schemas.openxmlformats.org/presentationml/2006/main" strictFirstAndLastChars="0" embedTrueTypeFonts="1" saveSubsetFonts="1" autoCompressPictures="0">
   <p:sldMasterIdLst>
-    <p:sldMasterId id="2147483659" r:id="rId3"/>
+    <p:sldMasterId id="2147483659" r:id="rId1"/>
   </p:sldMasterIdLst>
   <p:notesMasterIdLst>
-    <p:notesMasterId r:id="rId4"/>
+    <p:notesMasterId r:id="rId8"/>
   </p:notesMasterIdLst>
   <p:sldIdLst>
-    <p:sldId id="256" r:id="rId5"/>
-    <p:sldId id="257" r:id="rId6"/>
-    <p:sldId id="258" r:id="rId7"/>
-    <p:sldId id="259" r:id="rId8"/>
-    <p:sldId id="260" r:id="rId9"/>
-    <p:sldId id="261" r:id="rId10"/>
+    <p:sldId id="256" r:id="rId2"/>
+    <p:sldId id="257" r:id="rId3"/>
+    <p:sldId id="258" r:id="rId4"/>
+    <p:sldId id="259" r:id="rId5"/>
+    <p:sldId id="260" r:id="rId6"/>
+    <p:sldId id="261" r:id="rId7"/>
   </p:sldIdLst>
-  <p:sldSz cy="6858000" cx="9144000"/>
+  <p:sldSz cx="9144000" cy="6858000" type="screen4x3"/>
   <p:notesSz cx="6858000" cy="9144000"/>
-  <p:embeddedFontLst>
-    <p:embeddedFont>
-      <p:font typeface="Average"/>
-      <p:regular r:id="rId11"/>
-    </p:embeddedFont>
-    <p:embeddedFont>
-      <p:font typeface="Oswald"/>
-      <p:regular r:id="rId12"/>
-      <p:bold r:id="rId13"/>
-    </p:embeddedFont>
-  </p:embeddedFontLst>
   <p:defaultTextStyle>
-    <a:defPPr lvl="0" marR="0" rtl="0" algn="l">
+    <a:defPPr marR="0" lvl="0" algn="l" rtl="0">
       <a:lnSpc>
         <a:spcPct val="100000"/>
       </a:lnSpc>
@@ -40,7 +29,7 @@
         <a:spcPts val="0"/>
       </a:spcAft>
     </a:defPPr>
-    <a:lvl1pPr lvl="0" marR="0" rtl="0" algn="l">
+    <a:lvl1pPr marR="0" lvl="0" algn="l" rtl="0">
       <a:lnSpc>
         <a:spcPct val="100000"/>
       </a:lnSpc>
@@ -51,7 +40,7 @@
         <a:spcPts val="0"/>
       </a:spcAft>
       <a:buNone/>
-      <a:defRPr b="0" i="0" sz="1400" u="none" cap="none" strike="noStrike">
+      <a:defRPr sz="1400" b="0" i="0" u="none" strike="noStrike" cap="none">
         <a:solidFill>
           <a:srgbClr val="000000"/>
         </a:solidFill>
@@ -61,7 +50,7 @@
         <a:sym typeface="Arial"/>
       </a:defRPr>
     </a:lvl1pPr>
-    <a:lvl2pPr lvl="1" marR="0" rtl="0" algn="l">
+    <a:lvl2pPr marR="0" lvl="1" algn="l" rtl="0">
       <a:lnSpc>
         <a:spcPct val="100000"/>
       </a:lnSpc>
@@ -72,7 +61,7 @@
         <a:spcPts val="0"/>
       </a:spcAft>
       <a:buNone/>
-      <a:defRPr b="0" i="0" sz="1400" u="none" cap="none" strike="noStrike">
+      <a:defRPr sz="1400" b="0" i="0" u="none" strike="noStrike" cap="none">
         <a:solidFill>
           <a:srgbClr val="000000"/>
         </a:solidFill>
@@ -82,7 +71,7 @@
         <a:sym typeface="Arial"/>
       </a:defRPr>
     </a:lvl2pPr>
-    <a:lvl3pPr lvl="2" marR="0" rtl="0" algn="l">
+    <a:lvl3pPr marR="0" lvl="2" algn="l" rtl="0">
       <a:lnSpc>
         <a:spcPct val="100000"/>
       </a:lnSpc>
@@ -93,7 +82,7 @@
         <a:spcPts val="0"/>
       </a:spcAft>
       <a:buNone/>
-      <a:defRPr b="0" i="0" sz="1400" u="none" cap="none" strike="noStrike">
+      <a:defRPr sz="1400" b="0" i="0" u="none" strike="noStrike" cap="none">
         <a:solidFill>
           <a:srgbClr val="000000"/>
         </a:solidFill>
@@ -103,7 +92,7 @@
         <a:sym typeface="Arial"/>
       </a:defRPr>
     </a:lvl3pPr>
-    <a:lvl4pPr lvl="3" marR="0" rtl="0" algn="l">
+    <a:lvl4pPr marR="0" lvl="3" algn="l" rtl="0">
       <a:lnSpc>
         <a:spcPct val="100000"/>
       </a:lnSpc>
@@ -114,7 +103,7 @@
         <a:spcPts val="0"/>
       </a:spcAft>
       <a:buNone/>
-      <a:defRPr b="0" i="0" sz="1400" u="none" cap="none" strike="noStrike">
+      <a:defRPr sz="1400" b="0" i="0" u="none" strike="noStrike" cap="none">
         <a:solidFill>
           <a:srgbClr val="000000"/>
         </a:solidFill>
@@ -124,7 +113,7 @@
         <a:sym typeface="Arial"/>
       </a:defRPr>
     </a:lvl4pPr>
-    <a:lvl5pPr lvl="4" marR="0" rtl="0" algn="l">
+    <a:lvl5pPr marR="0" lvl="4" algn="l" rtl="0">
       <a:lnSpc>
         <a:spcPct val="100000"/>
       </a:lnSpc>
@@ -135,7 +124,7 @@
         <a:spcPts val="0"/>
       </a:spcAft>
       <a:buNone/>
-      <a:defRPr b="0" i="0" sz="1400" u="none" cap="none" strike="noStrike">
+      <a:defRPr sz="1400" b="0" i="0" u="none" strike="noStrike" cap="none">
         <a:solidFill>
           <a:srgbClr val="000000"/>
         </a:solidFill>
@@ -145,7 +134,7 @@
         <a:sym typeface="Arial"/>
       </a:defRPr>
     </a:lvl5pPr>
-    <a:lvl6pPr lvl="5" marR="0" rtl="0" algn="l">
+    <a:lvl6pPr marR="0" lvl="5" algn="l" rtl="0">
       <a:lnSpc>
         <a:spcPct val="100000"/>
       </a:lnSpc>
@@ -156,7 +145,7 @@
         <a:spcPts val="0"/>
       </a:spcAft>
       <a:buNone/>
-      <a:defRPr b="0" i="0" sz="1400" u="none" cap="none" strike="noStrike">
+      <a:defRPr sz="1400" b="0" i="0" u="none" strike="noStrike" cap="none">
         <a:solidFill>
           <a:srgbClr val="000000"/>
         </a:solidFill>
@@ -166,7 +155,7 @@
         <a:sym typeface="Arial"/>
       </a:defRPr>
     </a:lvl6pPr>
-    <a:lvl7pPr lvl="6" marR="0" rtl="0" algn="l">
+    <a:lvl7pPr marR="0" lvl="6" algn="l" rtl="0">
       <a:lnSpc>
         <a:spcPct val="100000"/>
       </a:lnSpc>
@@ -177,7 +166,7 @@
         <a:spcPts val="0"/>
       </a:spcAft>
       <a:buNone/>
-      <a:defRPr b="0" i="0" sz="1400" u="none" cap="none" strike="noStrike">
+      <a:defRPr sz="1400" b="0" i="0" u="none" strike="noStrike" cap="none">
         <a:solidFill>
           <a:srgbClr val="000000"/>
         </a:solidFill>
@@ -187,7 +176,7 @@
         <a:sym typeface="Arial"/>
       </a:defRPr>
     </a:lvl7pPr>
-    <a:lvl8pPr lvl="7" marR="0" rtl="0" algn="l">
+    <a:lvl8pPr marR="0" lvl="7" algn="l" rtl="0">
       <a:lnSpc>
         <a:spcPct val="100000"/>
       </a:lnSpc>
@@ -198,7 +187,7 @@
         <a:spcPts val="0"/>
       </a:spcAft>
       <a:buNone/>
-      <a:defRPr b="0" i="0" sz="1400" u="none" cap="none" strike="noStrike">
+      <a:defRPr sz="1400" b="0" i="0" u="none" strike="noStrike" cap="none">
         <a:solidFill>
           <a:srgbClr val="000000"/>
         </a:solidFill>
@@ -208,7 +197,7 @@
         <a:sym typeface="Arial"/>
       </a:defRPr>
     </a:lvl8pPr>
-    <a:lvl9pPr lvl="8" marR="0" rtl="0" algn="l">
+    <a:lvl9pPr marR="0" lvl="8" algn="l" rtl="0">
       <a:lnSpc>
         <a:spcPct val="100000"/>
       </a:lnSpc>
@@ -219,7 +208,7 @@
         <a:spcPts val="0"/>
       </a:spcAft>
       <a:buNone/>
-      <a:defRPr b="0" i="0" sz="1400" u="none" cap="none" strike="noStrike">
+      <a:defRPr sz="1400" b="0" i="0" u="none" strike="noStrike" cap="none">
         <a:solidFill>
           <a:srgbClr val="000000"/>
         </a:solidFill>
@@ -234,11 +223,16 @@
 </file>
 
 <file path=ppt/notesMasters/notesMaster1.xml><?xml version="1.0" encoding="utf-8"?>
-<p:notesMaster xmlns:a="http://schemas.openxmlformats.org/drawingml/2006/main" xmlns:r="http://schemas.openxmlformats.org/officeDocument/2006/relationships" xmlns:mc="http://schemas.openxmlformats.org/markup-compatibility/2006" xmlns:mv="urn:schemas-microsoft-com:mac:vml" xmlns:p="http://schemas.openxmlformats.org/presentationml/2006/main" xmlns:c="http://schemas.openxmlformats.org/drawingml/2006/chart" xmlns:dgm="http://schemas.openxmlformats.org/drawingml/2006/diagram" xmlns:o="urn:schemas-microsoft-com:office:office" xmlns:v="urn:schemas-microsoft-com:vml" xmlns:pvml="urn:schemas-microsoft-com:office:powerpoint" xmlns:com="http://schemas.openxmlformats.org/drawingml/2006/compatibility" xmlns:p14="http://schemas.microsoft.com/office/powerpoint/2010/main">
+<p:notesMaster xmlns:a="http://schemas.openxmlformats.org/drawingml/2006/main" xmlns:r="http://schemas.openxmlformats.org/officeDocument/2006/relationships" xmlns:p="http://schemas.openxmlformats.org/presentationml/2006/main">
   <p:cSld>
+    <p:bg>
+      <p:bgRef idx="1001">
+        <a:schemeClr val="bg1"/>
+      </p:bgRef>
+    </p:bg>
     <p:spTree>
       <p:nvGrpSpPr>
-        <p:cNvPr id="2" name="Shape 2"/>
+        <p:cNvPr id="1" name="Shape 2"/>
         <p:cNvGrpSpPr/>
         <p:nvPr/>
       </p:nvGrpSpPr>
@@ -253,9 +247,11 @@
       <p:sp>
         <p:nvSpPr>
           <p:cNvPr id="3" name="Shape 3"/>
-          <p:cNvSpPr/>
+          <p:cNvSpPr>
+            <a:spLocks noGrp="1" noRot="1" noChangeAspect="1"/>
+          </p:cNvSpPr>
           <p:nvPr>
-            <p:ph idx="2" type="sldImg"/>
+            <p:ph type="sldImg" idx="2"/>
           </p:nvPr>
         </p:nvSpPr>
         <p:spPr>
@@ -264,8 +260,13 @@
             <a:ext cx="4572000" cy="3429000"/>
           </a:xfrm>
           <a:custGeom>
+            <a:avLst/>
+            <a:gdLst/>
+            <a:ahLst/>
+            <a:cxnLst/>
+            <a:rect l="0" t="0" r="0" b="0"/>
             <a:pathLst>
-              <a:path extrusionOk="0" h="120000" w="120000">
+              <a:path w="120000" h="120000" extrusionOk="0">
                 <a:moveTo>
                   <a:pt x="0" y="0"/>
                 </a:moveTo>
@@ -283,23 +284,25 @@
             </a:pathLst>
           </a:custGeom>
           <a:noFill/>
-          <a:ln cap="flat" cmpd="sng" w="9525">
+          <a:ln w="9525" cap="flat" cmpd="sng">
             <a:solidFill>
               <a:srgbClr val="000000"/>
             </a:solidFill>
             <a:prstDash val="solid"/>
             <a:round/>
-            <a:headEnd len="med" w="med" type="none"/>
-            <a:tailEnd len="med" w="med" type="none"/>
+            <a:headEnd type="none" w="med" len="med"/>
+            <a:tailEnd type="none" w="med" len="med"/>
           </a:ln>
         </p:spPr>
       </p:sp>
       <p:sp>
         <p:nvSpPr>
           <p:cNvPr id="4" name="Shape 4"/>
-          <p:cNvSpPr txBox="1"/>
+          <p:cNvSpPr txBox="1">
+            <a:spLocks noGrp="1"/>
+          </p:cNvSpPr>
           <p:nvPr>
-            <p:ph idx="1" type="body"/>
+            <p:ph type="body" idx="1"/>
           </p:nvPr>
         </p:nvSpPr>
         <p:spPr>
@@ -316,7 +319,7 @@
           </a:ln>
         </p:spPr>
         <p:txBody>
-          <a:bodyPr anchorCtr="0" anchor="t" bIns="91425" lIns="91425" rIns="91425" tIns="91425"/>
+          <a:bodyPr lIns="91425" tIns="91425" rIns="91425" bIns="91425" anchor="t" anchorCtr="0"/>
           <a:lstStyle>
             <a:lvl1pPr lvl="0">
               <a:spcBef>
@@ -373,21 +376,120 @@
               <a:defRPr sz="1100"/>
             </a:lvl9pPr>
           </a:lstStyle>
-          <a:p/>
+          <a:p>
+            <a:endParaRPr/>
+          </a:p>
         </p:txBody>
       </p:sp>
     </p:spTree>
+    <p:extLst>
+      <p:ext uri="{BB962C8B-B14F-4D97-AF65-F5344CB8AC3E}">
+        <p14:creationId xmlns:p14="http://schemas.microsoft.com/office/powerpoint/2010/main" val="4284078530"/>
+      </p:ext>
+    </p:extLst>
   </p:cSld>
-  <p:clrMap accent1="accent1" accent2="accent2" accent3="accent3" accent4="accent4" accent5="accent5" accent6="accent6" bg1="lt1" bg2="dk2" tx1="dk1" tx2="lt2" folHlink="folHlink" hlink="hlink"/>
+  <p:clrMap bg1="lt1" tx1="dk1" bg2="dk2" tx2="lt2" accent1="accent1" accent2="accent2" accent3="accent3" accent4="accent4" accent5="accent5" accent6="accent6" hlink="hlink" folHlink="folHlink"/>
+  <p:notesStyle>
+    <a:lvl1pPr marL="0" algn="l" defTabSz="457200" rtl="0" eaLnBrk="1" latinLnBrk="0" hangingPunct="1">
+      <a:defRPr sz="1200" kern="1200">
+        <a:solidFill>
+          <a:schemeClr val="tx1"/>
+        </a:solidFill>
+        <a:latin typeface="+mn-lt"/>
+        <a:ea typeface="+mn-ea"/>
+        <a:cs typeface="+mn-cs"/>
+      </a:defRPr>
+    </a:lvl1pPr>
+    <a:lvl2pPr marL="457200" algn="l" defTabSz="457200" rtl="0" eaLnBrk="1" latinLnBrk="0" hangingPunct="1">
+      <a:defRPr sz="1200" kern="1200">
+        <a:solidFill>
+          <a:schemeClr val="tx1"/>
+        </a:solidFill>
+        <a:latin typeface="+mn-lt"/>
+        <a:ea typeface="+mn-ea"/>
+        <a:cs typeface="+mn-cs"/>
+      </a:defRPr>
+    </a:lvl2pPr>
+    <a:lvl3pPr marL="914400" algn="l" defTabSz="457200" rtl="0" eaLnBrk="1" latinLnBrk="0" hangingPunct="1">
+      <a:defRPr sz="1200" kern="1200">
+        <a:solidFill>
+          <a:schemeClr val="tx1"/>
+        </a:solidFill>
+        <a:latin typeface="+mn-lt"/>
+        <a:ea typeface="+mn-ea"/>
+        <a:cs typeface="+mn-cs"/>
+      </a:defRPr>
+    </a:lvl3pPr>
+    <a:lvl4pPr marL="1371600" algn="l" defTabSz="457200" rtl="0" eaLnBrk="1" latinLnBrk="0" hangingPunct="1">
+      <a:defRPr sz="1200" kern="1200">
+        <a:solidFill>
+          <a:schemeClr val="tx1"/>
+        </a:solidFill>
+        <a:latin typeface="+mn-lt"/>
+        <a:ea typeface="+mn-ea"/>
+        <a:cs typeface="+mn-cs"/>
+      </a:defRPr>
+    </a:lvl4pPr>
+    <a:lvl5pPr marL="1828800" algn="l" defTabSz="457200" rtl="0" eaLnBrk="1" latinLnBrk="0" hangingPunct="1">
+      <a:defRPr sz="1200" kern="1200">
+        <a:solidFill>
+          <a:schemeClr val="tx1"/>
+        </a:solidFill>
+        <a:latin typeface="+mn-lt"/>
+        <a:ea typeface="+mn-ea"/>
+        <a:cs typeface="+mn-cs"/>
+      </a:defRPr>
+    </a:lvl5pPr>
+    <a:lvl6pPr marL="2286000" algn="l" defTabSz="457200" rtl="0" eaLnBrk="1" latinLnBrk="0" hangingPunct="1">
+      <a:defRPr sz="1200" kern="1200">
+        <a:solidFill>
+          <a:schemeClr val="tx1"/>
+        </a:solidFill>
+        <a:latin typeface="+mn-lt"/>
+        <a:ea typeface="+mn-ea"/>
+        <a:cs typeface="+mn-cs"/>
+      </a:defRPr>
+    </a:lvl6pPr>
+    <a:lvl7pPr marL="2743200" algn="l" defTabSz="457200" rtl="0" eaLnBrk="1" latinLnBrk="0" hangingPunct="1">
+      <a:defRPr sz="1200" kern="1200">
+        <a:solidFill>
+          <a:schemeClr val="tx1"/>
+        </a:solidFill>
+        <a:latin typeface="+mn-lt"/>
+        <a:ea typeface="+mn-ea"/>
+        <a:cs typeface="+mn-cs"/>
+      </a:defRPr>
+    </a:lvl7pPr>
+    <a:lvl8pPr marL="3200400" algn="l" defTabSz="457200" rtl="0" eaLnBrk="1" latinLnBrk="0" hangingPunct="1">
+      <a:defRPr sz="1200" kern="1200">
+        <a:solidFill>
+          <a:schemeClr val="tx1"/>
+        </a:solidFill>
+        <a:latin typeface="+mn-lt"/>
+        <a:ea typeface="+mn-ea"/>
+        <a:cs typeface="+mn-cs"/>
+      </a:defRPr>
+    </a:lvl8pPr>
+    <a:lvl9pPr marL="3657600" algn="l" defTabSz="457200" rtl="0" eaLnBrk="1" latinLnBrk="0" hangingPunct="1">
+      <a:defRPr sz="1200" kern="1200">
+        <a:solidFill>
+          <a:schemeClr val="tx1"/>
+        </a:solidFill>
+        <a:latin typeface="+mn-lt"/>
+        <a:ea typeface="+mn-ea"/>
+        <a:cs typeface="+mn-cs"/>
+      </a:defRPr>
+    </a:lvl9pPr>
+  </p:notesStyle>
 </p:notesMaster>
 </file>
 
 <file path=ppt/notesSlides/notesSlide1.xml><?xml version="1.0" encoding="utf-8"?>
-<p:notes xmlns:a="http://schemas.openxmlformats.org/drawingml/2006/main" xmlns:r="http://schemas.openxmlformats.org/officeDocument/2006/relationships" xmlns:mc="http://schemas.openxmlformats.org/markup-compatibility/2006" xmlns:mv="urn:schemas-microsoft-com:mac:vml" xmlns:p="http://schemas.openxmlformats.org/presentationml/2006/main" xmlns:c="http://schemas.openxmlformats.org/drawingml/2006/chart" xmlns:dgm="http://schemas.openxmlformats.org/drawingml/2006/diagram" xmlns:o="urn:schemas-microsoft-com:office:office" xmlns:v="urn:schemas-microsoft-com:vml" xmlns:pvml="urn:schemas-microsoft-com:office:powerpoint" xmlns:com="http://schemas.openxmlformats.org/drawingml/2006/compatibility" xmlns:p14="http://schemas.microsoft.com/office/powerpoint/2010/main" showMasterPhAnim="0" showMasterSp="0">
+<p:notes xmlns:a="http://schemas.openxmlformats.org/drawingml/2006/main" xmlns:r="http://schemas.openxmlformats.org/officeDocument/2006/relationships" xmlns:p="http://schemas.openxmlformats.org/presentationml/2006/main" showMasterSp="0" showMasterPhAnim="0">
   <p:cSld>
     <p:spTree>
       <p:nvGrpSpPr>
-        <p:cNvPr id="55" name="Shape 55"/>
+        <p:cNvPr id="1" name="Shape 55"/>
         <p:cNvGrpSpPr/>
         <p:nvPr/>
       </p:nvGrpSpPr>
@@ -402,19 +504,26 @@
       <p:sp>
         <p:nvSpPr>
           <p:cNvPr id="56" name="Shape 56"/>
-          <p:cNvSpPr/>
+          <p:cNvSpPr>
+            <a:spLocks noGrp="1" noRot="1" noChangeAspect="1"/>
+          </p:cNvSpPr>
           <p:nvPr>
-            <p:ph idx="2" type="sldImg"/>
+            <p:ph type="sldImg" idx="2"/>
           </p:nvPr>
         </p:nvSpPr>
         <p:spPr>
           <a:xfrm>
-            <a:off x="1143300" y="685800"/>
+            <a:off x="1143000" y="685800"/>
             <a:ext cx="4572000" cy="3429000"/>
           </a:xfrm>
           <a:custGeom>
+            <a:avLst/>
+            <a:gdLst/>
+            <a:ahLst/>
+            <a:cxnLst/>
+            <a:rect l="0" t="0" r="0" b="0"/>
             <a:pathLst>
-              <a:path extrusionOk="0" h="120000" w="120000">
+              <a:path w="120000" h="120000" extrusionOk="0">
                 <a:moveTo>
                   <a:pt x="0" y="0"/>
                 </a:moveTo>
@@ -436,9 +545,11 @@
       <p:sp>
         <p:nvSpPr>
           <p:cNvPr id="57" name="Shape 57"/>
-          <p:cNvSpPr txBox="1"/>
+          <p:cNvSpPr txBox="1">
+            <a:spLocks noGrp="1"/>
+          </p:cNvSpPr>
           <p:nvPr>
-            <p:ph idx="1" type="body"/>
+            <p:ph type="body" idx="1"/>
           </p:nvPr>
         </p:nvSpPr>
         <p:spPr>
@@ -451,7 +562,7 @@
           </a:prstGeom>
         </p:spPr>
         <p:txBody>
-          <a:bodyPr anchorCtr="0" anchor="t" bIns="91425" lIns="91425" rIns="91425" tIns="91425">
+          <a:bodyPr lIns="91425" tIns="91425" rIns="91425" bIns="91425" anchor="t" anchorCtr="0">
             <a:noAutofit/>
           </a:bodyPr>
           <a:lstStyle/>
@@ -462,9 +573,6 @@
               </a:spcBef>
               <a:buNone/>
             </a:pPr>
-            <a:r>
-              <a:t/>
-            </a:r>
             <a:endParaRPr/>
           </a:p>
         </p:txBody>
@@ -478,11 +586,11 @@
 </file>
 
 <file path=ppt/notesSlides/notesSlide2.xml><?xml version="1.0" encoding="utf-8"?>
-<p:notes xmlns:a="http://schemas.openxmlformats.org/drawingml/2006/main" xmlns:r="http://schemas.openxmlformats.org/officeDocument/2006/relationships" xmlns:mc="http://schemas.openxmlformats.org/markup-compatibility/2006" xmlns:mv="urn:schemas-microsoft-com:mac:vml" xmlns:p="http://schemas.openxmlformats.org/presentationml/2006/main" xmlns:c="http://schemas.openxmlformats.org/drawingml/2006/chart" xmlns:dgm="http://schemas.openxmlformats.org/drawingml/2006/diagram" xmlns:o="urn:schemas-microsoft-com:office:office" xmlns:v="urn:schemas-microsoft-com:vml" xmlns:pvml="urn:schemas-microsoft-com:office:powerpoint" xmlns:com="http://schemas.openxmlformats.org/drawingml/2006/compatibility" xmlns:p14="http://schemas.microsoft.com/office/powerpoint/2010/main" showMasterPhAnim="0" showMasterSp="0">
+<p:notes xmlns:a="http://schemas.openxmlformats.org/drawingml/2006/main" xmlns:r="http://schemas.openxmlformats.org/officeDocument/2006/relationships" xmlns:p="http://schemas.openxmlformats.org/presentationml/2006/main" showMasterSp="0" showMasterPhAnim="0">
   <p:cSld>
     <p:spTree>
       <p:nvGrpSpPr>
-        <p:cNvPr id="62" name="Shape 62"/>
+        <p:cNvPr id="1" name="Shape 62"/>
         <p:cNvGrpSpPr/>
         <p:nvPr/>
       </p:nvGrpSpPr>
@@ -497,9 +605,11 @@
       <p:sp>
         <p:nvSpPr>
           <p:cNvPr id="63" name="Shape 63"/>
-          <p:cNvSpPr/>
+          <p:cNvSpPr>
+            <a:spLocks noGrp="1" noRot="1" noChangeAspect="1"/>
+          </p:cNvSpPr>
           <p:nvPr>
-            <p:ph idx="2" type="sldImg"/>
+            <p:ph type="sldImg" idx="2"/>
           </p:nvPr>
         </p:nvSpPr>
         <p:spPr>
@@ -508,8 +618,13 @@
             <a:ext cx="4572000" cy="3429000"/>
           </a:xfrm>
           <a:custGeom>
+            <a:avLst/>
+            <a:gdLst/>
+            <a:ahLst/>
+            <a:cxnLst/>
+            <a:rect l="0" t="0" r="0" b="0"/>
             <a:pathLst>
-              <a:path extrusionOk="0" h="120000" w="120000">
+              <a:path w="120000" h="120000" extrusionOk="0">
                 <a:moveTo>
                   <a:pt x="0" y="0"/>
                 </a:moveTo>
@@ -531,9 +646,11 @@
       <p:sp>
         <p:nvSpPr>
           <p:cNvPr id="64" name="Shape 64"/>
-          <p:cNvSpPr txBox="1"/>
+          <p:cNvSpPr txBox="1">
+            <a:spLocks noGrp="1"/>
+          </p:cNvSpPr>
           <p:nvPr>
-            <p:ph idx="1" type="body"/>
+            <p:ph type="body" idx="1"/>
           </p:nvPr>
         </p:nvSpPr>
         <p:spPr>
@@ -546,7 +663,7 @@
           </a:prstGeom>
         </p:spPr>
         <p:txBody>
-          <a:bodyPr anchorCtr="0" anchor="t" bIns="91425" lIns="91425" rIns="91425" tIns="91425">
+          <a:bodyPr lIns="91425" tIns="91425" rIns="91425" bIns="91425" anchor="t" anchorCtr="0">
             <a:noAutofit/>
           </a:bodyPr>
           <a:lstStyle/>
@@ -569,9 +686,6 @@
               </a:spcBef>
               <a:buNone/>
             </a:pPr>
-            <a:r>
-              <a:t/>
-            </a:r>
             <a:endParaRPr/>
           </a:p>
           <a:p>
@@ -597,11 +711,11 @@
 </file>
 
 <file path=ppt/notesSlides/notesSlide3.xml><?xml version="1.0" encoding="utf-8"?>
-<p:notes xmlns:a="http://schemas.openxmlformats.org/drawingml/2006/main" xmlns:r="http://schemas.openxmlformats.org/officeDocument/2006/relationships" xmlns:mc="http://schemas.openxmlformats.org/markup-compatibility/2006" xmlns:mv="urn:schemas-microsoft-com:mac:vml" xmlns:p="http://schemas.openxmlformats.org/presentationml/2006/main" xmlns:c="http://schemas.openxmlformats.org/drawingml/2006/chart" xmlns:dgm="http://schemas.openxmlformats.org/drawingml/2006/diagram" xmlns:o="urn:schemas-microsoft-com:office:office" xmlns:v="urn:schemas-microsoft-com:vml" xmlns:pvml="urn:schemas-microsoft-com:office:powerpoint" xmlns:com="http://schemas.openxmlformats.org/drawingml/2006/compatibility" xmlns:p14="http://schemas.microsoft.com/office/powerpoint/2010/main" showMasterPhAnim="0" showMasterSp="0">
+<p:notes xmlns:a="http://schemas.openxmlformats.org/drawingml/2006/main" xmlns:r="http://schemas.openxmlformats.org/officeDocument/2006/relationships" xmlns:p="http://schemas.openxmlformats.org/presentationml/2006/main" showMasterSp="0" showMasterPhAnim="0">
   <p:cSld>
     <p:spTree>
       <p:nvGrpSpPr>
-        <p:cNvPr id="69" name="Shape 69"/>
+        <p:cNvPr id="1" name="Shape 69"/>
         <p:cNvGrpSpPr/>
         <p:nvPr/>
       </p:nvGrpSpPr>
@@ -616,9 +730,11 @@
       <p:sp>
         <p:nvSpPr>
           <p:cNvPr id="70" name="Shape 70"/>
-          <p:cNvSpPr/>
+          <p:cNvSpPr>
+            <a:spLocks noGrp="1" noRot="1" noChangeAspect="1"/>
+          </p:cNvSpPr>
           <p:nvPr>
-            <p:ph idx="2" type="sldImg"/>
+            <p:ph type="sldImg" idx="2"/>
           </p:nvPr>
         </p:nvSpPr>
         <p:spPr>
@@ -627,8 +743,13 @@
             <a:ext cx="4572000" cy="3429000"/>
           </a:xfrm>
           <a:custGeom>
+            <a:avLst/>
+            <a:gdLst/>
+            <a:ahLst/>
+            <a:cxnLst/>
+            <a:rect l="0" t="0" r="0" b="0"/>
             <a:pathLst>
-              <a:path extrusionOk="0" h="120000" w="120000">
+              <a:path w="120000" h="120000" extrusionOk="0">
                 <a:moveTo>
                   <a:pt x="0" y="0"/>
                 </a:moveTo>
@@ -650,9 +771,11 @@
       <p:sp>
         <p:nvSpPr>
           <p:cNvPr id="71" name="Shape 71"/>
-          <p:cNvSpPr txBox="1"/>
+          <p:cNvSpPr txBox="1">
+            <a:spLocks noGrp="1"/>
+          </p:cNvSpPr>
           <p:nvPr>
-            <p:ph idx="1" type="body"/>
+            <p:ph type="body" idx="1"/>
           </p:nvPr>
         </p:nvSpPr>
         <p:spPr>
@@ -665,7 +788,7 @@
           </a:prstGeom>
         </p:spPr>
         <p:txBody>
-          <a:bodyPr anchorCtr="0" anchor="t" bIns="91425" lIns="91425" rIns="91425" tIns="91425">
+          <a:bodyPr lIns="91425" tIns="91425" rIns="91425" bIns="91425" anchor="t" anchorCtr="0">
             <a:noAutofit/>
           </a:bodyPr>
           <a:lstStyle/>
@@ -676,9 +799,6 @@
               </a:spcBef>
               <a:buNone/>
             </a:pPr>
-            <a:r>
-              <a:t/>
-            </a:r>
             <a:endParaRPr/>
           </a:p>
         </p:txBody>
@@ -692,11 +812,11 @@
 </file>
 
 <file path=ppt/notesSlides/notesSlide4.xml><?xml version="1.0" encoding="utf-8"?>
-<p:notes xmlns:a="http://schemas.openxmlformats.org/drawingml/2006/main" xmlns:r="http://schemas.openxmlformats.org/officeDocument/2006/relationships" xmlns:mc="http://schemas.openxmlformats.org/markup-compatibility/2006" xmlns:mv="urn:schemas-microsoft-com:mac:vml" xmlns:p="http://schemas.openxmlformats.org/presentationml/2006/main" xmlns:c="http://schemas.openxmlformats.org/drawingml/2006/chart" xmlns:dgm="http://schemas.openxmlformats.org/drawingml/2006/diagram" xmlns:o="urn:schemas-microsoft-com:office:office" xmlns:v="urn:schemas-microsoft-com:vml" xmlns:pvml="urn:schemas-microsoft-com:office:powerpoint" xmlns:com="http://schemas.openxmlformats.org/drawingml/2006/compatibility" xmlns:p14="http://schemas.microsoft.com/office/powerpoint/2010/main" showMasterPhAnim="0" showMasterSp="0">
+<p:notes xmlns:a="http://schemas.openxmlformats.org/drawingml/2006/main" xmlns:r="http://schemas.openxmlformats.org/officeDocument/2006/relationships" xmlns:p="http://schemas.openxmlformats.org/presentationml/2006/main" showMasterSp="0" showMasterPhAnim="0">
   <p:cSld>
     <p:spTree>
       <p:nvGrpSpPr>
-        <p:cNvPr id="75" name="Shape 75"/>
+        <p:cNvPr id="1" name="Shape 75"/>
         <p:cNvGrpSpPr/>
         <p:nvPr/>
       </p:nvGrpSpPr>
@@ -711,19 +831,26 @@
       <p:sp>
         <p:nvSpPr>
           <p:cNvPr id="76" name="Shape 76"/>
-          <p:cNvSpPr/>
+          <p:cNvSpPr>
+            <a:spLocks noGrp="1" noRot="1" noChangeAspect="1"/>
+          </p:cNvSpPr>
           <p:nvPr>
-            <p:ph idx="2" type="sldImg"/>
+            <p:ph type="sldImg" idx="2"/>
           </p:nvPr>
         </p:nvSpPr>
         <p:spPr>
           <a:xfrm>
-            <a:off x="1143309" y="685800"/>
+            <a:off x="1143000" y="685800"/>
             <a:ext cx="4572000" cy="3429000"/>
           </a:xfrm>
           <a:custGeom>
+            <a:avLst/>
+            <a:gdLst/>
+            <a:ahLst/>
+            <a:cxnLst/>
+            <a:rect l="0" t="0" r="0" b="0"/>
             <a:pathLst>
-              <a:path extrusionOk="0" h="120000" w="120000">
+              <a:path w="120000" h="120000" extrusionOk="0">
                 <a:moveTo>
                   <a:pt x="0" y="0"/>
                 </a:moveTo>
@@ -745,9 +872,11 @@
       <p:sp>
         <p:nvSpPr>
           <p:cNvPr id="77" name="Shape 77"/>
-          <p:cNvSpPr txBox="1"/>
+          <p:cNvSpPr txBox="1">
+            <a:spLocks noGrp="1"/>
+          </p:cNvSpPr>
           <p:nvPr>
-            <p:ph idx="1" type="body"/>
+            <p:ph type="body" idx="1"/>
           </p:nvPr>
         </p:nvSpPr>
         <p:spPr>
@@ -760,7 +889,7 @@
           </a:prstGeom>
         </p:spPr>
         <p:txBody>
-          <a:bodyPr anchorCtr="0" anchor="t" bIns="91425" lIns="91425" rIns="91425" tIns="91425">
+          <a:bodyPr lIns="91425" tIns="91425" rIns="91425" bIns="91425" anchor="t" anchorCtr="0">
             <a:noAutofit/>
           </a:bodyPr>
           <a:lstStyle/>
@@ -771,9 +900,6 @@
               </a:spcBef>
               <a:buNone/>
             </a:pPr>
-            <a:r>
-              <a:t/>
-            </a:r>
             <a:endParaRPr/>
           </a:p>
         </p:txBody>
@@ -787,11 +913,11 @@
 </file>
 
 <file path=ppt/notesSlides/notesSlide5.xml><?xml version="1.0" encoding="utf-8"?>
-<p:notes xmlns:a="http://schemas.openxmlformats.org/drawingml/2006/main" xmlns:r="http://schemas.openxmlformats.org/officeDocument/2006/relationships" xmlns:mc="http://schemas.openxmlformats.org/markup-compatibility/2006" xmlns:mv="urn:schemas-microsoft-com:mac:vml" xmlns:p="http://schemas.openxmlformats.org/presentationml/2006/main" xmlns:c="http://schemas.openxmlformats.org/drawingml/2006/chart" xmlns:dgm="http://schemas.openxmlformats.org/drawingml/2006/diagram" xmlns:o="urn:schemas-microsoft-com:office:office" xmlns:v="urn:schemas-microsoft-com:vml" xmlns:pvml="urn:schemas-microsoft-com:office:powerpoint" xmlns:com="http://schemas.openxmlformats.org/drawingml/2006/compatibility" xmlns:p14="http://schemas.microsoft.com/office/powerpoint/2010/main" showMasterPhAnim="0" showMasterSp="0">
+<p:notes xmlns:a="http://schemas.openxmlformats.org/drawingml/2006/main" xmlns:r="http://schemas.openxmlformats.org/officeDocument/2006/relationships" xmlns:p="http://schemas.openxmlformats.org/presentationml/2006/main" showMasterSp="0" showMasterPhAnim="0">
   <p:cSld>
     <p:spTree>
       <p:nvGrpSpPr>
-        <p:cNvPr id="82" name="Shape 82"/>
+        <p:cNvPr id="1" name="Shape 82"/>
         <p:cNvGrpSpPr/>
         <p:nvPr/>
       </p:nvGrpSpPr>
@@ -806,19 +932,26 @@
       <p:sp>
         <p:nvSpPr>
           <p:cNvPr id="83" name="Shape 83"/>
-          <p:cNvSpPr/>
+          <p:cNvSpPr>
+            <a:spLocks noGrp="1" noRot="1" noChangeAspect="1"/>
+          </p:cNvSpPr>
           <p:nvPr>
-            <p:ph idx="2" type="sldImg"/>
+            <p:ph type="sldImg" idx="2"/>
           </p:nvPr>
         </p:nvSpPr>
         <p:spPr>
           <a:xfrm>
-            <a:off x="1143309" y="685800"/>
+            <a:off x="1143000" y="685800"/>
             <a:ext cx="4572000" cy="3429000"/>
           </a:xfrm>
           <a:custGeom>
+            <a:avLst/>
+            <a:gdLst/>
+            <a:ahLst/>
+            <a:cxnLst/>
+            <a:rect l="0" t="0" r="0" b="0"/>
             <a:pathLst>
-              <a:path extrusionOk="0" h="120000" w="120000">
+              <a:path w="120000" h="120000" extrusionOk="0">
                 <a:moveTo>
                   <a:pt x="0" y="0"/>
                 </a:moveTo>
@@ -840,9 +973,11 @@
       <p:sp>
         <p:nvSpPr>
           <p:cNvPr id="84" name="Shape 84"/>
-          <p:cNvSpPr txBox="1"/>
+          <p:cNvSpPr txBox="1">
+            <a:spLocks noGrp="1"/>
+          </p:cNvSpPr>
           <p:nvPr>
-            <p:ph idx="1" type="body"/>
+            <p:ph type="body" idx="1"/>
           </p:nvPr>
         </p:nvSpPr>
         <p:spPr>
@@ -855,7 +990,7 @@
           </a:prstGeom>
         </p:spPr>
         <p:txBody>
-          <a:bodyPr anchorCtr="0" anchor="t" bIns="91425" lIns="91425" rIns="91425" tIns="91425">
+          <a:bodyPr lIns="91425" tIns="91425" rIns="91425" bIns="91425" anchor="t" anchorCtr="0">
             <a:noAutofit/>
           </a:bodyPr>
           <a:lstStyle/>
@@ -866,9 +1001,6 @@
               </a:spcBef>
               <a:buNone/>
             </a:pPr>
-            <a:r>
-              <a:t/>
-            </a:r>
             <a:endParaRPr/>
           </a:p>
         </p:txBody>
@@ -882,11 +1014,11 @@
 </file>
 
 <file path=ppt/notesSlides/notesSlide6.xml><?xml version="1.0" encoding="utf-8"?>
-<p:notes xmlns:a="http://schemas.openxmlformats.org/drawingml/2006/main" xmlns:r="http://schemas.openxmlformats.org/officeDocument/2006/relationships" xmlns:mc="http://schemas.openxmlformats.org/markup-compatibility/2006" xmlns:mv="urn:schemas-microsoft-com:mac:vml" xmlns:p="http://schemas.openxmlformats.org/presentationml/2006/main" xmlns:c="http://schemas.openxmlformats.org/drawingml/2006/chart" xmlns:dgm="http://schemas.openxmlformats.org/drawingml/2006/diagram" xmlns:o="urn:schemas-microsoft-com:office:office" xmlns:v="urn:schemas-microsoft-com:vml" xmlns:pvml="urn:schemas-microsoft-com:office:powerpoint" xmlns:com="http://schemas.openxmlformats.org/drawingml/2006/compatibility" xmlns:p14="http://schemas.microsoft.com/office/powerpoint/2010/main" showMasterPhAnim="0" showMasterSp="0">
+<p:notes xmlns:a="http://schemas.openxmlformats.org/drawingml/2006/main" xmlns:r="http://schemas.openxmlformats.org/officeDocument/2006/relationships" xmlns:p="http://schemas.openxmlformats.org/presentationml/2006/main" showMasterSp="0" showMasterPhAnim="0">
   <p:cSld>
     <p:spTree>
       <p:nvGrpSpPr>
-        <p:cNvPr id="88" name="Shape 88"/>
+        <p:cNvPr id="1" name="Shape 88"/>
         <p:cNvGrpSpPr/>
         <p:nvPr/>
       </p:nvGrpSpPr>
@@ -901,9 +1033,11 @@
       <p:sp>
         <p:nvSpPr>
           <p:cNvPr id="89" name="Shape 89"/>
-          <p:cNvSpPr/>
+          <p:cNvSpPr>
+            <a:spLocks noGrp="1" noRot="1" noChangeAspect="1"/>
+          </p:cNvSpPr>
           <p:nvPr>
-            <p:ph idx="2" type="sldImg"/>
+            <p:ph type="sldImg" idx="2"/>
           </p:nvPr>
         </p:nvSpPr>
         <p:spPr>
@@ -912,8 +1046,13 @@
             <a:ext cx="4572000" cy="3429000"/>
           </a:xfrm>
           <a:custGeom>
+            <a:avLst/>
+            <a:gdLst/>
+            <a:ahLst/>
+            <a:cxnLst/>
+            <a:rect l="0" t="0" r="0" b="0"/>
             <a:pathLst>
-              <a:path extrusionOk="0" h="120000" w="120000">
+              <a:path w="120000" h="120000" extrusionOk="0">
                 <a:moveTo>
                   <a:pt x="0" y="0"/>
                 </a:moveTo>
@@ -935,9 +1074,11 @@
       <p:sp>
         <p:nvSpPr>
           <p:cNvPr id="90" name="Shape 90"/>
-          <p:cNvSpPr txBox="1"/>
+          <p:cNvSpPr txBox="1">
+            <a:spLocks noGrp="1"/>
+          </p:cNvSpPr>
           <p:nvPr>
-            <p:ph idx="1" type="body"/>
+            <p:ph type="body" idx="1"/>
           </p:nvPr>
         </p:nvSpPr>
         <p:spPr>
@@ -950,7 +1091,7 @@
           </a:prstGeom>
         </p:spPr>
         <p:txBody>
-          <a:bodyPr anchorCtr="0" anchor="t" bIns="91425" lIns="91425" rIns="91425" tIns="91425">
+          <a:bodyPr lIns="91425" tIns="91425" rIns="91425" bIns="91425" anchor="t" anchorCtr="0">
             <a:noAutofit/>
           </a:bodyPr>
           <a:lstStyle/>
@@ -961,9 +1102,6 @@
               </a:spcBef>
               <a:buNone/>
             </a:pPr>
-            <a:r>
-              <a:t/>
-            </a:r>
             <a:endParaRPr/>
           </a:p>
         </p:txBody>
@@ -977,11 +1115,11 @@
 </file>
 
 <file path=ppt/slideLayouts/slideLayout1.xml><?xml version="1.0" encoding="utf-8"?>
-<p:sldLayout xmlns:a="http://schemas.openxmlformats.org/drawingml/2006/main" xmlns:r="http://schemas.openxmlformats.org/officeDocument/2006/relationships" xmlns:mc="http://schemas.openxmlformats.org/markup-compatibility/2006" xmlns:mv="urn:schemas-microsoft-com:mac:vml" xmlns:p="http://schemas.openxmlformats.org/presentationml/2006/main" xmlns:c="http://schemas.openxmlformats.org/drawingml/2006/chart" xmlns:dgm="http://schemas.openxmlformats.org/drawingml/2006/diagram" xmlns:o="urn:schemas-microsoft-com:office:office" xmlns:v="urn:schemas-microsoft-com:vml" xmlns:pvml="urn:schemas-microsoft-com:office:powerpoint" xmlns:com="http://schemas.openxmlformats.org/drawingml/2006/compatibility" xmlns:p14="http://schemas.microsoft.com/office/powerpoint/2010/main" type="title">
+<p:sldLayout xmlns:a="http://schemas.openxmlformats.org/drawingml/2006/main" xmlns:r="http://schemas.openxmlformats.org/officeDocument/2006/relationships" xmlns:p="http://schemas.openxmlformats.org/presentationml/2006/main" type="title">
   <p:cSld name="Title slide">
     <p:spTree>
       <p:nvGrpSpPr>
-        <p:cNvPr id="9" name="Shape 9"/>
+        <p:cNvPr id="1" name="Shape 9"/>
         <p:cNvGrpSpPr/>
         <p:nvPr/>
       </p:nvGrpSpPr>
@@ -1029,7 +1167,7 @@
             </a:ln>
           </p:spPr>
           <p:txBody>
-            <a:bodyPr anchorCtr="0" anchor="ctr" bIns="91425" lIns="91425" rIns="91425" tIns="91425">
+            <a:bodyPr lIns="91425" tIns="91425" rIns="91425" bIns="91425" anchor="ctr" anchorCtr="0">
               <a:noAutofit/>
             </a:bodyPr>
             <a:lstStyle/>
@@ -1040,9 +1178,6 @@
                 </a:spcBef>
                 <a:buNone/>
               </a:pPr>
-              <a:r>
-                <a:t/>
-              </a:r>
               <a:endParaRPr/>
             </a:p>
           </p:txBody>
@@ -1069,7 +1204,7 @@
             </a:ln>
           </p:spPr>
           <p:txBody>
-            <a:bodyPr anchorCtr="0" anchor="ctr" bIns="91425" lIns="91425" rIns="91425" tIns="91425">
+            <a:bodyPr lIns="91425" tIns="91425" rIns="91425" bIns="91425" anchor="ctr" anchorCtr="0">
               <a:noAutofit/>
             </a:bodyPr>
             <a:lstStyle/>
@@ -1080,9 +1215,6 @@
                 </a:spcBef>
                 <a:buNone/>
               </a:pPr>
-              <a:r>
-                <a:t/>
-              </a:r>
               <a:endParaRPr/>
             </a:p>
           </p:txBody>
@@ -1109,7 +1241,7 @@
             </a:ln>
           </p:spPr>
           <p:txBody>
-            <a:bodyPr anchorCtr="0" anchor="ctr" bIns="91425" lIns="91425" rIns="91425" tIns="91425">
+            <a:bodyPr lIns="91425" tIns="91425" rIns="91425" bIns="91425" anchor="ctr" anchorCtr="0">
               <a:noAutofit/>
             </a:bodyPr>
             <a:lstStyle/>
@@ -1120,9 +1252,6 @@
                 </a:spcBef>
                 <a:buNone/>
               </a:pPr>
-              <a:r>
-                <a:t/>
-              </a:r>
               <a:endParaRPr/>
             </a:p>
           </p:txBody>
@@ -1131,7 +1260,9 @@
       <p:sp>
         <p:nvSpPr>
           <p:cNvPr id="14" name="Shape 14"/>
-          <p:cNvSpPr txBox="1"/>
+          <p:cNvSpPr txBox="1">
+            <a:spLocks noGrp="1"/>
+          </p:cNvSpPr>
           <p:nvPr>
             <p:ph type="ctrTitle"/>
           </p:nvPr>
@@ -1146,7 +1277,7 @@
           </a:prstGeom>
         </p:spPr>
         <p:txBody>
-          <a:bodyPr anchorCtr="0" anchor="b" bIns="91425" lIns="91425" rIns="91425" tIns="91425"/>
+          <a:bodyPr lIns="91425" tIns="91425" rIns="91425" bIns="91425" anchor="b" anchorCtr="0"/>
           <a:lstStyle>
             <a:lvl1pPr lvl="0" algn="ctr">
               <a:spcBef>
@@ -1212,15 +1343,19 @@
               <a:defRPr sz="4800"/>
             </a:lvl9pPr>
           </a:lstStyle>
-          <a:p/>
+          <a:p>
+            <a:endParaRPr/>
+          </a:p>
         </p:txBody>
       </p:sp>
       <p:sp>
         <p:nvSpPr>
           <p:cNvPr id="15" name="Shape 15"/>
-          <p:cNvSpPr txBox="1"/>
+          <p:cNvSpPr txBox="1">
+            <a:spLocks noGrp="1"/>
+          </p:cNvSpPr>
           <p:nvPr>
-            <p:ph idx="1" type="subTitle"/>
+            <p:ph type="subTitle" idx="1"/>
           </p:nvPr>
         </p:nvSpPr>
         <p:spPr>
@@ -1233,7 +1368,7 @@
           </a:prstGeom>
         </p:spPr>
         <p:txBody>
-          <a:bodyPr anchorCtr="0" anchor="t" bIns="91425" lIns="91425" rIns="91425" tIns="91425"/>
+          <a:bodyPr lIns="91425" tIns="91425" rIns="91425" bIns="91425" anchor="t" anchorCtr="0"/>
           <a:lstStyle>
             <a:lvl1pPr lvl="0" algn="ctr">
               <a:lnSpc>
@@ -1362,15 +1497,19 @@
               <a:defRPr sz="2100"/>
             </a:lvl9pPr>
           </a:lstStyle>
-          <a:p/>
+          <a:p>
+            <a:endParaRPr/>
+          </a:p>
         </p:txBody>
       </p:sp>
       <p:sp>
         <p:nvSpPr>
           <p:cNvPr id="16" name="Shape 16"/>
-          <p:cNvSpPr txBox="1"/>
+          <p:cNvSpPr txBox="1">
+            <a:spLocks noGrp="1"/>
+          </p:cNvSpPr>
           <p:nvPr>
-            <p:ph idx="12" type="sldNum"/>
+            <p:ph type="sldNum" idx="12"/>
           </p:nvPr>
         </p:nvSpPr>
         <p:spPr>
@@ -1383,7 +1522,7 @@
           </a:prstGeom>
         </p:spPr>
         <p:txBody>
-          <a:bodyPr anchorCtr="0" anchor="ctr" bIns="91425" lIns="91425" rIns="91425" tIns="91425">
+          <a:bodyPr lIns="91425" tIns="91425" rIns="91425" bIns="91425" anchor="ctr" anchorCtr="0">
             <a:noAutofit/>
           </a:bodyPr>
           <a:lstStyle/>
@@ -1398,6 +1537,7 @@
               <a:rPr lang="en"/>
               <a:t>‹#›</a:t>
             </a:fld>
+            <a:endParaRPr lang="en"/>
           </a:p>
         </p:txBody>
       </p:sp>
@@ -1410,11 +1550,11 @@
 </file>
 
 <file path=ppt/slideLayouts/slideLayout10.xml><?xml version="1.0" encoding="utf-8"?>
-<p:sldLayout xmlns:a="http://schemas.openxmlformats.org/drawingml/2006/main" xmlns:r="http://schemas.openxmlformats.org/officeDocument/2006/relationships" xmlns:mc="http://schemas.openxmlformats.org/markup-compatibility/2006" xmlns:mv="urn:schemas-microsoft-com:mac:vml" xmlns:p="http://schemas.openxmlformats.org/presentationml/2006/main" xmlns:c="http://schemas.openxmlformats.org/drawingml/2006/chart" xmlns:dgm="http://schemas.openxmlformats.org/drawingml/2006/diagram" xmlns:o="urn:schemas-microsoft-com:office:office" xmlns:v="urn:schemas-microsoft-com:vml" xmlns:pvml="urn:schemas-microsoft-com:office:powerpoint" xmlns:com="http://schemas.openxmlformats.org/drawingml/2006/compatibility" xmlns:p14="http://schemas.microsoft.com/office/powerpoint/2010/main">
+<p:sldLayout xmlns:a="http://schemas.openxmlformats.org/drawingml/2006/main" xmlns:r="http://schemas.openxmlformats.org/officeDocument/2006/relationships" xmlns:p="http://schemas.openxmlformats.org/presentationml/2006/main">
   <p:cSld name="Big number">
     <p:spTree>
       <p:nvGrpSpPr>
-        <p:cNvPr id="49" name="Shape 49"/>
+        <p:cNvPr id="1" name="Shape 49"/>
         <p:cNvGrpSpPr/>
         <p:nvPr/>
       </p:nvGrpSpPr>
@@ -1429,7 +1569,9 @@
       <p:sp>
         <p:nvSpPr>
           <p:cNvPr id="50" name="Shape 50"/>
-          <p:cNvSpPr txBox="1"/>
+          <p:cNvSpPr txBox="1">
+            <a:spLocks noGrp="1"/>
+          </p:cNvSpPr>
           <p:nvPr>
             <p:ph type="title"/>
           </p:nvPr>
@@ -1444,7 +1586,7 @@
           </a:prstGeom>
         </p:spPr>
         <p:txBody>
-          <a:bodyPr anchorCtr="0" anchor="b" bIns="91425" lIns="91425" rIns="91425" tIns="91425"/>
+          <a:bodyPr lIns="91425" tIns="91425" rIns="91425" bIns="91425" anchor="b" anchorCtr="0"/>
           <a:lstStyle>
             <a:lvl1pPr lvl="0" algn="ctr">
               <a:spcBef>
@@ -1510,15 +1652,19 @@
               <a:defRPr sz="12000"/>
             </a:lvl9pPr>
           </a:lstStyle>
-          <a:p/>
+          <a:p>
+            <a:endParaRPr/>
+          </a:p>
         </p:txBody>
       </p:sp>
       <p:sp>
         <p:nvSpPr>
           <p:cNvPr id="51" name="Shape 51"/>
-          <p:cNvSpPr txBox="1"/>
+          <p:cNvSpPr txBox="1">
+            <a:spLocks noGrp="1"/>
+          </p:cNvSpPr>
           <p:nvPr>
-            <p:ph idx="1" type="body"/>
+            <p:ph type="body" idx="1"/>
           </p:nvPr>
         </p:nvSpPr>
         <p:spPr>
@@ -1531,7 +1677,7 @@
           </a:prstGeom>
         </p:spPr>
         <p:txBody>
-          <a:bodyPr anchorCtr="0" anchor="t" bIns="91425" lIns="91425" rIns="91425" tIns="91425"/>
+          <a:bodyPr lIns="91425" tIns="91425" rIns="91425" bIns="91425" anchor="t" anchorCtr="0"/>
           <a:lstStyle>
             <a:lvl1pPr lvl="0" algn="ctr">
               <a:spcBef>
@@ -1588,15 +1734,19 @@
               <a:defRPr/>
             </a:lvl9pPr>
           </a:lstStyle>
-          <a:p/>
+          <a:p>
+            <a:endParaRPr/>
+          </a:p>
         </p:txBody>
       </p:sp>
       <p:sp>
         <p:nvSpPr>
           <p:cNvPr id="52" name="Shape 52"/>
-          <p:cNvSpPr txBox="1"/>
+          <p:cNvSpPr txBox="1">
+            <a:spLocks noGrp="1"/>
+          </p:cNvSpPr>
           <p:nvPr>
-            <p:ph idx="12" type="sldNum"/>
+            <p:ph type="sldNum" idx="12"/>
           </p:nvPr>
         </p:nvSpPr>
         <p:spPr>
@@ -1609,7 +1759,7 @@
           </a:prstGeom>
         </p:spPr>
         <p:txBody>
-          <a:bodyPr anchorCtr="0" anchor="ctr" bIns="91425" lIns="91425" rIns="91425" tIns="91425">
+          <a:bodyPr lIns="91425" tIns="91425" rIns="91425" bIns="91425" anchor="ctr" anchorCtr="0">
             <a:noAutofit/>
           </a:bodyPr>
           <a:lstStyle/>
@@ -1624,6 +1774,7 @@
               <a:rPr lang="en"/>
               <a:t>‹#›</a:t>
             </a:fld>
+            <a:endParaRPr lang="en"/>
           </a:p>
         </p:txBody>
       </p:sp>
@@ -1636,11 +1787,11 @@
 </file>
 
 <file path=ppt/slideLayouts/slideLayout11.xml><?xml version="1.0" encoding="utf-8"?>
-<p:sldLayout xmlns:a="http://schemas.openxmlformats.org/drawingml/2006/main" xmlns:r="http://schemas.openxmlformats.org/officeDocument/2006/relationships" xmlns:mc="http://schemas.openxmlformats.org/markup-compatibility/2006" xmlns:mv="urn:schemas-microsoft-com:mac:vml" xmlns:p="http://schemas.openxmlformats.org/presentationml/2006/main" xmlns:c="http://schemas.openxmlformats.org/drawingml/2006/chart" xmlns:dgm="http://schemas.openxmlformats.org/drawingml/2006/diagram" xmlns:o="urn:schemas-microsoft-com:office:office" xmlns:v="urn:schemas-microsoft-com:vml" xmlns:pvml="urn:schemas-microsoft-com:office:powerpoint" xmlns:com="http://schemas.openxmlformats.org/drawingml/2006/compatibility" xmlns:p14="http://schemas.microsoft.com/office/powerpoint/2010/main" type="blank">
+<p:sldLayout xmlns:a="http://schemas.openxmlformats.org/drawingml/2006/main" xmlns:r="http://schemas.openxmlformats.org/officeDocument/2006/relationships" xmlns:p="http://schemas.openxmlformats.org/presentationml/2006/main" type="blank">
   <p:cSld name="Blank">
     <p:spTree>
       <p:nvGrpSpPr>
-        <p:cNvPr id="53" name="Shape 53"/>
+        <p:cNvPr id="1" name="Shape 53"/>
         <p:cNvGrpSpPr/>
         <p:nvPr/>
       </p:nvGrpSpPr>
@@ -1655,9 +1806,11 @@
       <p:sp>
         <p:nvSpPr>
           <p:cNvPr id="54" name="Shape 54"/>
-          <p:cNvSpPr txBox="1"/>
+          <p:cNvSpPr txBox="1">
+            <a:spLocks noGrp="1"/>
+          </p:cNvSpPr>
           <p:nvPr>
-            <p:ph idx="12" type="sldNum"/>
+            <p:ph type="sldNum" idx="12"/>
           </p:nvPr>
         </p:nvSpPr>
         <p:spPr>
@@ -1670,7 +1823,7 @@
           </a:prstGeom>
         </p:spPr>
         <p:txBody>
-          <a:bodyPr anchorCtr="0" anchor="ctr" bIns="91425" lIns="91425" rIns="91425" tIns="91425">
+          <a:bodyPr lIns="91425" tIns="91425" rIns="91425" bIns="91425" anchor="ctr" anchorCtr="0">
             <a:noAutofit/>
           </a:bodyPr>
           <a:lstStyle/>
@@ -1685,6 +1838,7 @@
               <a:rPr lang="en"/>
               <a:t>‹#›</a:t>
             </a:fld>
+            <a:endParaRPr lang="en"/>
           </a:p>
         </p:txBody>
       </p:sp>
@@ -1697,11 +1851,11 @@
 </file>
 
 <file path=ppt/slideLayouts/slideLayout2.xml><?xml version="1.0" encoding="utf-8"?>
-<p:sldLayout xmlns:a="http://schemas.openxmlformats.org/drawingml/2006/main" xmlns:r="http://schemas.openxmlformats.org/officeDocument/2006/relationships" xmlns:mc="http://schemas.openxmlformats.org/markup-compatibility/2006" xmlns:mv="urn:schemas-microsoft-com:mac:vml" xmlns:p="http://schemas.openxmlformats.org/presentationml/2006/main" xmlns:c="http://schemas.openxmlformats.org/drawingml/2006/chart" xmlns:dgm="http://schemas.openxmlformats.org/drawingml/2006/diagram" xmlns:o="urn:schemas-microsoft-com:office:office" xmlns:v="urn:schemas-microsoft-com:vml" xmlns:pvml="urn:schemas-microsoft-com:office:powerpoint" xmlns:com="http://schemas.openxmlformats.org/drawingml/2006/compatibility" xmlns:p14="http://schemas.microsoft.com/office/powerpoint/2010/main" type="secHead">
+<p:sldLayout xmlns:a="http://schemas.openxmlformats.org/drawingml/2006/main" xmlns:r="http://schemas.openxmlformats.org/officeDocument/2006/relationships" xmlns:p="http://schemas.openxmlformats.org/presentationml/2006/main" type="secHead">
   <p:cSld name="Section header">
     <p:spTree>
       <p:nvGrpSpPr>
-        <p:cNvPr id="17" name="Shape 17"/>
+        <p:cNvPr id="1" name="Shape 17"/>
         <p:cNvGrpSpPr/>
         <p:nvPr/>
       </p:nvGrpSpPr>
@@ -1716,7 +1870,9 @@
       <p:sp>
         <p:nvSpPr>
           <p:cNvPr id="18" name="Shape 18"/>
-          <p:cNvSpPr txBox="1"/>
+          <p:cNvSpPr txBox="1">
+            <a:spLocks noGrp="1"/>
+          </p:cNvSpPr>
           <p:nvPr>
             <p:ph type="title"/>
           </p:nvPr>
@@ -1731,7 +1887,7 @@
           </a:prstGeom>
         </p:spPr>
         <p:txBody>
-          <a:bodyPr anchorCtr="0" anchor="ctr" bIns="91425" lIns="91425" rIns="91425" tIns="91425"/>
+          <a:bodyPr lIns="91425" tIns="91425" rIns="91425" bIns="91425" anchor="ctr" anchorCtr="0"/>
           <a:lstStyle>
             <a:lvl1pPr lvl="0" algn="ctr">
               <a:spcBef>
@@ -1797,15 +1953,19 @@
               <a:defRPr sz="3600"/>
             </a:lvl9pPr>
           </a:lstStyle>
-          <a:p/>
+          <a:p>
+            <a:endParaRPr/>
+          </a:p>
         </p:txBody>
       </p:sp>
       <p:sp>
         <p:nvSpPr>
           <p:cNvPr id="19" name="Shape 19"/>
-          <p:cNvSpPr txBox="1"/>
+          <p:cNvSpPr txBox="1">
+            <a:spLocks noGrp="1"/>
+          </p:cNvSpPr>
           <p:nvPr>
-            <p:ph idx="12" type="sldNum"/>
+            <p:ph type="sldNum" idx="12"/>
           </p:nvPr>
         </p:nvSpPr>
         <p:spPr>
@@ -1818,7 +1978,7 @@
           </a:prstGeom>
         </p:spPr>
         <p:txBody>
-          <a:bodyPr anchorCtr="0" anchor="ctr" bIns="91425" lIns="91425" rIns="91425" tIns="91425">
+          <a:bodyPr lIns="91425" tIns="91425" rIns="91425" bIns="91425" anchor="ctr" anchorCtr="0">
             <a:noAutofit/>
           </a:bodyPr>
           <a:lstStyle/>
@@ -1833,6 +1993,7 @@
               <a:rPr lang="en"/>
               <a:t>‹#›</a:t>
             </a:fld>
+            <a:endParaRPr lang="en"/>
           </a:p>
         </p:txBody>
       </p:sp>
@@ -1845,11 +2006,11 @@
 </file>
 
 <file path=ppt/slideLayouts/slideLayout3.xml><?xml version="1.0" encoding="utf-8"?>
-<p:sldLayout xmlns:a="http://schemas.openxmlformats.org/drawingml/2006/main" xmlns:r="http://schemas.openxmlformats.org/officeDocument/2006/relationships" xmlns:mc="http://schemas.openxmlformats.org/markup-compatibility/2006" xmlns:mv="urn:schemas-microsoft-com:mac:vml" xmlns:p="http://schemas.openxmlformats.org/presentationml/2006/main" xmlns:c="http://schemas.openxmlformats.org/drawingml/2006/chart" xmlns:dgm="http://schemas.openxmlformats.org/drawingml/2006/diagram" xmlns:o="urn:schemas-microsoft-com:office:office" xmlns:v="urn:schemas-microsoft-com:vml" xmlns:pvml="urn:schemas-microsoft-com:office:powerpoint" xmlns:com="http://schemas.openxmlformats.org/drawingml/2006/compatibility" xmlns:p14="http://schemas.microsoft.com/office/powerpoint/2010/main" type="tx">
+<p:sldLayout xmlns:a="http://schemas.openxmlformats.org/drawingml/2006/main" xmlns:r="http://schemas.openxmlformats.org/officeDocument/2006/relationships" xmlns:p="http://schemas.openxmlformats.org/presentationml/2006/main" type="tx">
   <p:cSld name="Title and body">
     <p:spTree>
       <p:nvGrpSpPr>
-        <p:cNvPr id="20" name="Shape 20"/>
+        <p:cNvPr id="1" name="Shape 20"/>
         <p:cNvGrpSpPr/>
         <p:nvPr/>
       </p:nvGrpSpPr>
@@ -1864,7 +2025,9 @@
       <p:sp>
         <p:nvSpPr>
           <p:cNvPr id="21" name="Shape 21"/>
-          <p:cNvSpPr txBox="1"/>
+          <p:cNvSpPr txBox="1">
+            <a:spLocks noGrp="1"/>
+          </p:cNvSpPr>
           <p:nvPr>
             <p:ph type="title"/>
           </p:nvPr>
@@ -1879,7 +2042,7 @@
           </a:prstGeom>
         </p:spPr>
         <p:txBody>
-          <a:bodyPr anchorCtr="0" anchor="t" bIns="91425" lIns="91425" rIns="91425" tIns="91425"/>
+          <a:bodyPr lIns="91425" tIns="91425" rIns="91425" bIns="91425" anchor="t" anchorCtr="0"/>
           <a:lstStyle>
             <a:lvl1pPr lvl="0">
               <a:spcBef>
@@ -1936,15 +2099,19 @@
               <a:defRPr/>
             </a:lvl9pPr>
           </a:lstStyle>
-          <a:p/>
+          <a:p>
+            <a:endParaRPr/>
+          </a:p>
         </p:txBody>
       </p:sp>
       <p:sp>
         <p:nvSpPr>
           <p:cNvPr id="22" name="Shape 22"/>
-          <p:cNvSpPr txBox="1"/>
+          <p:cNvSpPr txBox="1">
+            <a:spLocks noGrp="1"/>
+          </p:cNvSpPr>
           <p:nvPr>
-            <p:ph idx="1" type="body"/>
+            <p:ph type="body" idx="1"/>
           </p:nvPr>
         </p:nvSpPr>
         <p:spPr>
@@ -1957,7 +2124,7 @@
           </a:prstGeom>
         </p:spPr>
         <p:txBody>
-          <a:bodyPr anchorCtr="0" anchor="t" bIns="91425" lIns="91425" rIns="91425" tIns="91425"/>
+          <a:bodyPr lIns="91425" tIns="91425" rIns="91425" bIns="91425" anchor="t" anchorCtr="0"/>
           <a:lstStyle>
             <a:lvl1pPr lvl="0">
               <a:spcBef>
@@ -2014,15 +2181,19 @@
               <a:defRPr/>
             </a:lvl9pPr>
           </a:lstStyle>
-          <a:p/>
+          <a:p>
+            <a:endParaRPr/>
+          </a:p>
         </p:txBody>
       </p:sp>
       <p:sp>
         <p:nvSpPr>
           <p:cNvPr id="23" name="Shape 23"/>
-          <p:cNvSpPr txBox="1"/>
+          <p:cNvSpPr txBox="1">
+            <a:spLocks noGrp="1"/>
+          </p:cNvSpPr>
           <p:nvPr>
-            <p:ph idx="12" type="sldNum"/>
+            <p:ph type="sldNum" idx="12"/>
           </p:nvPr>
         </p:nvSpPr>
         <p:spPr>
@@ -2035,7 +2206,7 @@
           </a:prstGeom>
         </p:spPr>
         <p:txBody>
-          <a:bodyPr anchorCtr="0" anchor="ctr" bIns="91425" lIns="91425" rIns="91425" tIns="91425">
+          <a:bodyPr lIns="91425" tIns="91425" rIns="91425" bIns="91425" anchor="ctr" anchorCtr="0">
             <a:noAutofit/>
           </a:bodyPr>
           <a:lstStyle/>
@@ -2050,6 +2221,7 @@
               <a:rPr lang="en"/>
               <a:t>‹#›</a:t>
             </a:fld>
+            <a:endParaRPr lang="en"/>
           </a:p>
         </p:txBody>
       </p:sp>
@@ -2062,11 +2234,11 @@
 </file>
 
 <file path=ppt/slideLayouts/slideLayout4.xml><?xml version="1.0" encoding="utf-8"?>
-<p:sldLayout xmlns:a="http://schemas.openxmlformats.org/drawingml/2006/main" xmlns:r="http://schemas.openxmlformats.org/officeDocument/2006/relationships" xmlns:mc="http://schemas.openxmlformats.org/markup-compatibility/2006" xmlns:mv="urn:schemas-microsoft-com:mac:vml" xmlns:p="http://schemas.openxmlformats.org/presentationml/2006/main" xmlns:c="http://schemas.openxmlformats.org/drawingml/2006/chart" xmlns:dgm="http://schemas.openxmlformats.org/drawingml/2006/diagram" xmlns:o="urn:schemas-microsoft-com:office:office" xmlns:v="urn:schemas-microsoft-com:vml" xmlns:pvml="urn:schemas-microsoft-com:office:powerpoint" xmlns:com="http://schemas.openxmlformats.org/drawingml/2006/compatibility" xmlns:p14="http://schemas.microsoft.com/office/powerpoint/2010/main" type="twoColTx">
+<p:sldLayout xmlns:a="http://schemas.openxmlformats.org/drawingml/2006/main" xmlns:r="http://schemas.openxmlformats.org/officeDocument/2006/relationships" xmlns:p="http://schemas.openxmlformats.org/presentationml/2006/main" type="twoColTx">
   <p:cSld name="Title and two columns">
     <p:spTree>
       <p:nvGrpSpPr>
-        <p:cNvPr id="24" name="Shape 24"/>
+        <p:cNvPr id="1" name="Shape 24"/>
         <p:cNvGrpSpPr/>
         <p:nvPr/>
       </p:nvGrpSpPr>
@@ -2081,7 +2253,9 @@
       <p:sp>
         <p:nvSpPr>
           <p:cNvPr id="25" name="Shape 25"/>
-          <p:cNvSpPr txBox="1"/>
+          <p:cNvSpPr txBox="1">
+            <a:spLocks noGrp="1"/>
+          </p:cNvSpPr>
           <p:nvPr>
             <p:ph type="title"/>
           </p:nvPr>
@@ -2096,7 +2270,7 @@
           </a:prstGeom>
         </p:spPr>
         <p:txBody>
-          <a:bodyPr anchorCtr="0" anchor="t" bIns="91425" lIns="91425" rIns="91425" tIns="91425"/>
+          <a:bodyPr lIns="91425" tIns="91425" rIns="91425" bIns="91425" anchor="t" anchorCtr="0"/>
           <a:lstStyle>
             <a:lvl1pPr lvl="0">
               <a:spcBef>
@@ -2153,15 +2327,19 @@
               <a:defRPr/>
             </a:lvl9pPr>
           </a:lstStyle>
-          <a:p/>
+          <a:p>
+            <a:endParaRPr/>
+          </a:p>
         </p:txBody>
       </p:sp>
       <p:sp>
         <p:nvSpPr>
           <p:cNvPr id="26" name="Shape 26"/>
-          <p:cNvSpPr txBox="1"/>
+          <p:cNvSpPr txBox="1">
+            <a:spLocks noGrp="1"/>
+          </p:cNvSpPr>
           <p:nvPr>
-            <p:ph idx="1" type="body"/>
+            <p:ph type="body" idx="1"/>
           </p:nvPr>
         </p:nvSpPr>
         <p:spPr>
@@ -2174,7 +2352,7 @@
           </a:prstGeom>
         </p:spPr>
         <p:txBody>
-          <a:bodyPr anchorCtr="0" anchor="t" bIns="91425" lIns="91425" rIns="91425" tIns="91425"/>
+          <a:bodyPr lIns="91425" tIns="91425" rIns="91425" bIns="91425" anchor="t" anchorCtr="0"/>
           <a:lstStyle>
             <a:lvl1pPr lvl="0">
               <a:spcBef>
@@ -2240,15 +2418,19 @@
               <a:defRPr sz="1200"/>
             </a:lvl9pPr>
           </a:lstStyle>
-          <a:p/>
+          <a:p>
+            <a:endParaRPr/>
+          </a:p>
         </p:txBody>
       </p:sp>
       <p:sp>
         <p:nvSpPr>
           <p:cNvPr id="27" name="Shape 27"/>
-          <p:cNvSpPr txBox="1"/>
+          <p:cNvSpPr txBox="1">
+            <a:spLocks noGrp="1"/>
+          </p:cNvSpPr>
           <p:nvPr>
-            <p:ph idx="2" type="body"/>
+            <p:ph type="body" idx="2"/>
           </p:nvPr>
         </p:nvSpPr>
         <p:spPr>
@@ -2261,7 +2443,7 @@
           </a:prstGeom>
         </p:spPr>
         <p:txBody>
-          <a:bodyPr anchorCtr="0" anchor="t" bIns="91425" lIns="91425" rIns="91425" tIns="91425"/>
+          <a:bodyPr lIns="91425" tIns="91425" rIns="91425" bIns="91425" anchor="t" anchorCtr="0"/>
           <a:lstStyle>
             <a:lvl1pPr lvl="0">
               <a:spcBef>
@@ -2327,15 +2509,19 @@
               <a:defRPr sz="1200"/>
             </a:lvl9pPr>
           </a:lstStyle>
-          <a:p/>
+          <a:p>
+            <a:endParaRPr/>
+          </a:p>
         </p:txBody>
       </p:sp>
       <p:sp>
         <p:nvSpPr>
           <p:cNvPr id="28" name="Shape 28"/>
-          <p:cNvSpPr txBox="1"/>
+          <p:cNvSpPr txBox="1">
+            <a:spLocks noGrp="1"/>
+          </p:cNvSpPr>
           <p:nvPr>
-            <p:ph idx="12" type="sldNum"/>
+            <p:ph type="sldNum" idx="12"/>
           </p:nvPr>
         </p:nvSpPr>
         <p:spPr>
@@ -2348,7 +2534,7 @@
           </a:prstGeom>
         </p:spPr>
         <p:txBody>
-          <a:bodyPr anchorCtr="0" anchor="ctr" bIns="91425" lIns="91425" rIns="91425" tIns="91425">
+          <a:bodyPr lIns="91425" tIns="91425" rIns="91425" bIns="91425" anchor="ctr" anchorCtr="0">
             <a:noAutofit/>
           </a:bodyPr>
           <a:lstStyle/>
@@ -2363,6 +2549,7 @@
               <a:rPr lang="en"/>
               <a:t>‹#›</a:t>
             </a:fld>
+            <a:endParaRPr lang="en"/>
           </a:p>
         </p:txBody>
       </p:sp>
@@ -2375,11 +2562,11 @@
 </file>
 
 <file path=ppt/slideLayouts/slideLayout5.xml><?xml version="1.0" encoding="utf-8"?>
-<p:sldLayout xmlns:a="http://schemas.openxmlformats.org/drawingml/2006/main" xmlns:r="http://schemas.openxmlformats.org/officeDocument/2006/relationships" xmlns:mc="http://schemas.openxmlformats.org/markup-compatibility/2006" xmlns:mv="urn:schemas-microsoft-com:mac:vml" xmlns:p="http://schemas.openxmlformats.org/presentationml/2006/main" xmlns:c="http://schemas.openxmlformats.org/drawingml/2006/chart" xmlns:dgm="http://schemas.openxmlformats.org/drawingml/2006/diagram" xmlns:o="urn:schemas-microsoft-com:office:office" xmlns:v="urn:schemas-microsoft-com:vml" xmlns:pvml="urn:schemas-microsoft-com:office:powerpoint" xmlns:com="http://schemas.openxmlformats.org/drawingml/2006/compatibility" xmlns:p14="http://schemas.microsoft.com/office/powerpoint/2010/main" type="titleOnly">
+<p:sldLayout xmlns:a="http://schemas.openxmlformats.org/drawingml/2006/main" xmlns:r="http://schemas.openxmlformats.org/officeDocument/2006/relationships" xmlns:p="http://schemas.openxmlformats.org/presentationml/2006/main" type="titleOnly">
   <p:cSld name="Title only">
     <p:spTree>
       <p:nvGrpSpPr>
-        <p:cNvPr id="29" name="Shape 29"/>
+        <p:cNvPr id="1" name="Shape 29"/>
         <p:cNvGrpSpPr/>
         <p:nvPr/>
       </p:nvGrpSpPr>
@@ -2394,7 +2581,9 @@
       <p:sp>
         <p:nvSpPr>
           <p:cNvPr id="30" name="Shape 30"/>
-          <p:cNvSpPr txBox="1"/>
+          <p:cNvSpPr txBox="1">
+            <a:spLocks noGrp="1"/>
+          </p:cNvSpPr>
           <p:nvPr>
             <p:ph type="title"/>
           </p:nvPr>
@@ -2409,7 +2598,7 @@
           </a:prstGeom>
         </p:spPr>
         <p:txBody>
-          <a:bodyPr anchorCtr="0" anchor="t" bIns="91425" lIns="91425" rIns="91425" tIns="91425"/>
+          <a:bodyPr lIns="91425" tIns="91425" rIns="91425" bIns="91425" anchor="t" anchorCtr="0"/>
           <a:lstStyle>
             <a:lvl1pPr lvl="0">
               <a:spcBef>
@@ -2466,15 +2655,19 @@
               <a:defRPr/>
             </a:lvl9pPr>
           </a:lstStyle>
-          <a:p/>
+          <a:p>
+            <a:endParaRPr/>
+          </a:p>
         </p:txBody>
       </p:sp>
       <p:sp>
         <p:nvSpPr>
           <p:cNvPr id="31" name="Shape 31"/>
-          <p:cNvSpPr txBox="1"/>
+          <p:cNvSpPr txBox="1">
+            <a:spLocks noGrp="1"/>
+          </p:cNvSpPr>
           <p:nvPr>
-            <p:ph idx="12" type="sldNum"/>
+            <p:ph type="sldNum" idx="12"/>
           </p:nvPr>
         </p:nvSpPr>
         <p:spPr>
@@ -2487,7 +2680,7 @@
           </a:prstGeom>
         </p:spPr>
         <p:txBody>
-          <a:bodyPr anchorCtr="0" anchor="ctr" bIns="91425" lIns="91425" rIns="91425" tIns="91425">
+          <a:bodyPr lIns="91425" tIns="91425" rIns="91425" bIns="91425" anchor="ctr" anchorCtr="0">
             <a:noAutofit/>
           </a:bodyPr>
           <a:lstStyle/>
@@ -2502,6 +2695,7 @@
               <a:rPr lang="en"/>
               <a:t>‹#›</a:t>
             </a:fld>
+            <a:endParaRPr lang="en"/>
           </a:p>
         </p:txBody>
       </p:sp>
@@ -2514,11 +2708,11 @@
 </file>
 
 <file path=ppt/slideLayouts/slideLayout6.xml><?xml version="1.0" encoding="utf-8"?>
-<p:sldLayout xmlns:a="http://schemas.openxmlformats.org/drawingml/2006/main" xmlns:r="http://schemas.openxmlformats.org/officeDocument/2006/relationships" xmlns:mc="http://schemas.openxmlformats.org/markup-compatibility/2006" xmlns:mv="urn:schemas-microsoft-com:mac:vml" xmlns:p="http://schemas.openxmlformats.org/presentationml/2006/main" xmlns:c="http://schemas.openxmlformats.org/drawingml/2006/chart" xmlns:dgm="http://schemas.openxmlformats.org/drawingml/2006/diagram" xmlns:o="urn:schemas-microsoft-com:office:office" xmlns:v="urn:schemas-microsoft-com:vml" xmlns:pvml="urn:schemas-microsoft-com:office:powerpoint" xmlns:com="http://schemas.openxmlformats.org/drawingml/2006/compatibility" xmlns:p14="http://schemas.microsoft.com/office/powerpoint/2010/main">
+<p:sldLayout xmlns:a="http://schemas.openxmlformats.org/drawingml/2006/main" xmlns:r="http://schemas.openxmlformats.org/officeDocument/2006/relationships" xmlns:p="http://schemas.openxmlformats.org/presentationml/2006/main">
   <p:cSld name="One column text">
     <p:spTree>
       <p:nvGrpSpPr>
-        <p:cNvPr id="32" name="Shape 32"/>
+        <p:cNvPr id="1" name="Shape 32"/>
         <p:cNvGrpSpPr/>
         <p:nvPr/>
       </p:nvGrpSpPr>
@@ -2533,7 +2727,9 @@
       <p:sp>
         <p:nvSpPr>
           <p:cNvPr id="33" name="Shape 33"/>
-          <p:cNvSpPr txBox="1"/>
+          <p:cNvSpPr txBox="1">
+            <a:spLocks noGrp="1"/>
+          </p:cNvSpPr>
           <p:nvPr>
             <p:ph type="title"/>
           </p:nvPr>
@@ -2548,7 +2744,7 @@
           </a:prstGeom>
         </p:spPr>
         <p:txBody>
-          <a:bodyPr anchorCtr="0" anchor="b" bIns="91425" lIns="91425" rIns="91425" tIns="91425"/>
+          <a:bodyPr lIns="91425" tIns="91425" rIns="91425" bIns="91425" anchor="b" anchorCtr="0"/>
           <a:lstStyle>
             <a:lvl1pPr lvl="0">
               <a:spcBef>
@@ -2614,15 +2810,19 @@
               <a:defRPr sz="2400"/>
             </a:lvl9pPr>
           </a:lstStyle>
-          <a:p/>
+          <a:p>
+            <a:endParaRPr/>
+          </a:p>
         </p:txBody>
       </p:sp>
       <p:sp>
         <p:nvSpPr>
           <p:cNvPr id="34" name="Shape 34"/>
-          <p:cNvSpPr txBox="1"/>
+          <p:cNvSpPr txBox="1">
+            <a:spLocks noGrp="1"/>
+          </p:cNvSpPr>
           <p:nvPr>
-            <p:ph idx="1" type="body"/>
+            <p:ph type="body" idx="1"/>
           </p:nvPr>
         </p:nvSpPr>
         <p:spPr>
@@ -2635,7 +2835,7 @@
           </a:prstGeom>
         </p:spPr>
         <p:txBody>
-          <a:bodyPr anchorCtr="0" anchor="t" bIns="91425" lIns="91425" rIns="91425" tIns="91425"/>
+          <a:bodyPr lIns="91425" tIns="91425" rIns="91425" bIns="91425" anchor="t" anchorCtr="0"/>
           <a:lstStyle>
             <a:lvl1pPr lvl="0">
               <a:spcBef>
@@ -2701,15 +2901,19 @@
               <a:defRPr sz="1200"/>
             </a:lvl9pPr>
           </a:lstStyle>
-          <a:p/>
+          <a:p>
+            <a:endParaRPr/>
+          </a:p>
         </p:txBody>
       </p:sp>
       <p:sp>
         <p:nvSpPr>
           <p:cNvPr id="35" name="Shape 35"/>
-          <p:cNvSpPr txBox="1"/>
+          <p:cNvSpPr txBox="1">
+            <a:spLocks noGrp="1"/>
+          </p:cNvSpPr>
           <p:nvPr>
-            <p:ph idx="12" type="sldNum"/>
+            <p:ph type="sldNum" idx="12"/>
           </p:nvPr>
         </p:nvSpPr>
         <p:spPr>
@@ -2722,7 +2926,7 @@
           </a:prstGeom>
         </p:spPr>
         <p:txBody>
-          <a:bodyPr anchorCtr="0" anchor="ctr" bIns="91425" lIns="91425" rIns="91425" tIns="91425">
+          <a:bodyPr lIns="91425" tIns="91425" rIns="91425" bIns="91425" anchor="ctr" anchorCtr="0">
             <a:noAutofit/>
           </a:bodyPr>
           <a:lstStyle/>
@@ -2737,6 +2941,7 @@
               <a:rPr lang="en"/>
               <a:t>‹#›</a:t>
             </a:fld>
+            <a:endParaRPr lang="en"/>
           </a:p>
         </p:txBody>
       </p:sp>
@@ -2749,18 +2954,19 @@
 </file>
 
 <file path=ppt/slideLayouts/slideLayout7.xml><?xml version="1.0" encoding="utf-8"?>
-<p:sldLayout xmlns:a="http://schemas.openxmlformats.org/drawingml/2006/main" xmlns:r="http://schemas.openxmlformats.org/officeDocument/2006/relationships" xmlns:mc="http://schemas.openxmlformats.org/markup-compatibility/2006" xmlns:mv="urn:schemas-microsoft-com:mac:vml" xmlns:p="http://schemas.openxmlformats.org/presentationml/2006/main" xmlns:c="http://schemas.openxmlformats.org/drawingml/2006/chart" xmlns:dgm="http://schemas.openxmlformats.org/drawingml/2006/diagram" xmlns:o="urn:schemas-microsoft-com:office:office" xmlns:v="urn:schemas-microsoft-com:vml" xmlns:pvml="urn:schemas-microsoft-com:office:powerpoint" xmlns:com="http://schemas.openxmlformats.org/drawingml/2006/compatibility" xmlns:p14="http://schemas.microsoft.com/office/powerpoint/2010/main">
+<p:sldLayout xmlns:a="http://schemas.openxmlformats.org/drawingml/2006/main" xmlns:r="http://schemas.openxmlformats.org/officeDocument/2006/relationships" xmlns:p="http://schemas.openxmlformats.org/presentationml/2006/main">
   <p:cSld name="Main point">
     <p:bg>
       <p:bgPr>
         <a:solidFill>
           <a:schemeClr val="lt2"/>
         </a:solidFill>
+        <a:effectLst/>
       </p:bgPr>
     </p:bg>
     <p:spTree>
       <p:nvGrpSpPr>
-        <p:cNvPr id="36" name="Shape 36"/>
+        <p:cNvPr id="1" name="Shape 36"/>
         <p:cNvGrpSpPr/>
         <p:nvPr/>
       </p:nvGrpSpPr>
@@ -2775,7 +2981,9 @@
       <p:sp>
         <p:nvSpPr>
           <p:cNvPr id="37" name="Shape 37"/>
-          <p:cNvSpPr txBox="1"/>
+          <p:cNvSpPr txBox="1">
+            <a:spLocks noGrp="1"/>
+          </p:cNvSpPr>
           <p:nvPr>
             <p:ph type="title"/>
           </p:nvPr>
@@ -2790,7 +2998,7 @@
           </a:prstGeom>
         </p:spPr>
         <p:txBody>
-          <a:bodyPr anchorCtr="0" anchor="ctr" bIns="91425" lIns="91425" rIns="91425" tIns="91425"/>
+          <a:bodyPr lIns="91425" tIns="91425" rIns="91425" bIns="91425" anchor="ctr" anchorCtr="0"/>
           <a:lstStyle>
             <a:lvl1pPr lvl="0">
               <a:spcBef>
@@ -2919,15 +3127,19 @@
               </a:defRPr>
             </a:lvl9pPr>
           </a:lstStyle>
-          <a:p/>
+          <a:p>
+            <a:endParaRPr/>
+          </a:p>
         </p:txBody>
       </p:sp>
       <p:sp>
         <p:nvSpPr>
           <p:cNvPr id="38" name="Shape 38"/>
-          <p:cNvSpPr txBox="1"/>
+          <p:cNvSpPr txBox="1">
+            <a:spLocks noGrp="1"/>
+          </p:cNvSpPr>
           <p:nvPr>
-            <p:ph idx="12" type="sldNum"/>
+            <p:ph type="sldNum" idx="12"/>
           </p:nvPr>
         </p:nvSpPr>
         <p:spPr>
@@ -2940,7 +3152,7 @@
           </a:prstGeom>
         </p:spPr>
         <p:txBody>
-          <a:bodyPr anchorCtr="0" anchor="ctr" bIns="91425" lIns="91425" rIns="91425" tIns="91425">
+          <a:bodyPr lIns="91425" tIns="91425" rIns="91425" bIns="91425" anchor="ctr" anchorCtr="0">
             <a:noAutofit/>
           </a:bodyPr>
           <a:lstStyle/>
@@ -2959,6 +3171,11 @@
               </a:rPr>
               <a:t>‹#›</a:t>
             </a:fld>
+            <a:endParaRPr lang="en">
+              <a:solidFill>
+                <a:schemeClr val="lt1"/>
+              </a:solidFill>
+            </a:endParaRPr>
           </a:p>
         </p:txBody>
       </p:sp>
@@ -2971,11 +3188,11 @@
 </file>
 
 <file path=ppt/slideLayouts/slideLayout8.xml><?xml version="1.0" encoding="utf-8"?>
-<p:sldLayout xmlns:a="http://schemas.openxmlformats.org/drawingml/2006/main" xmlns:r="http://schemas.openxmlformats.org/officeDocument/2006/relationships" xmlns:mc="http://schemas.openxmlformats.org/markup-compatibility/2006" xmlns:mv="urn:schemas-microsoft-com:mac:vml" xmlns:p="http://schemas.openxmlformats.org/presentationml/2006/main" xmlns:c="http://schemas.openxmlformats.org/drawingml/2006/chart" xmlns:dgm="http://schemas.openxmlformats.org/drawingml/2006/diagram" xmlns:o="urn:schemas-microsoft-com:office:office" xmlns:v="urn:schemas-microsoft-com:vml" xmlns:pvml="urn:schemas-microsoft-com:office:powerpoint" xmlns:com="http://schemas.openxmlformats.org/drawingml/2006/compatibility" xmlns:p14="http://schemas.microsoft.com/office/powerpoint/2010/main">
+<p:sldLayout xmlns:a="http://schemas.openxmlformats.org/drawingml/2006/main" xmlns:r="http://schemas.openxmlformats.org/officeDocument/2006/relationships" xmlns:p="http://schemas.openxmlformats.org/presentationml/2006/main">
   <p:cSld name="Section title and description">
     <p:spTree>
       <p:nvGrpSpPr>
-        <p:cNvPr id="39" name="Shape 39"/>
+        <p:cNvPr id="1" name="Shape 39"/>
         <p:cNvGrpSpPr/>
         <p:nvPr/>
       </p:nvGrpSpPr>
@@ -3009,7 +3226,7 @@
           </a:ln>
         </p:spPr>
         <p:txBody>
-          <a:bodyPr anchorCtr="0" anchor="ctr" bIns="91425" lIns="91425" rIns="91425" tIns="91425">
+          <a:bodyPr lIns="91425" tIns="91425" rIns="91425" bIns="91425" anchor="ctr" anchorCtr="0">
             <a:noAutofit/>
           </a:bodyPr>
           <a:lstStyle/>
@@ -3020,9 +3237,6 @@
               </a:spcBef>
               <a:buNone/>
             </a:pPr>
-            <a:r>
-              <a:t/>
-            </a:r>
             <a:endParaRPr/>
           </a:p>
         </p:txBody>
@@ -3042,21 +3256,23 @@
             <a:avLst/>
           </a:prstGeom>
           <a:noFill/>
-          <a:ln cap="flat" cmpd="sng" w="19050">
+          <a:ln w="19050" cap="flat" cmpd="sng">
             <a:solidFill>
               <a:schemeClr val="lt1"/>
             </a:solidFill>
             <a:prstDash val="solid"/>
             <a:round/>
-            <a:headEnd len="med" w="med" type="none"/>
-            <a:tailEnd len="med" w="med" type="none"/>
+            <a:headEnd type="none" w="med" len="med"/>
+            <a:tailEnd type="none" w="med" len="med"/>
           </a:ln>
         </p:spPr>
       </p:cxnSp>
       <p:sp>
         <p:nvSpPr>
           <p:cNvPr id="42" name="Shape 42"/>
-          <p:cNvSpPr txBox="1"/>
+          <p:cNvSpPr txBox="1">
+            <a:spLocks noGrp="1"/>
+          </p:cNvSpPr>
           <p:nvPr>
             <p:ph type="title"/>
           </p:nvPr>
@@ -3071,7 +3287,7 @@
           </a:prstGeom>
         </p:spPr>
         <p:txBody>
-          <a:bodyPr anchorCtr="0" anchor="b" bIns="91425" lIns="91425" rIns="91425" tIns="91425"/>
+          <a:bodyPr lIns="91425" tIns="91425" rIns="91425" bIns="91425" anchor="b" anchorCtr="0"/>
           <a:lstStyle>
             <a:lvl1pPr lvl="0" algn="ctr">
               <a:spcBef>
@@ -3137,15 +3353,19 @@
               <a:defRPr sz="4200"/>
             </a:lvl9pPr>
           </a:lstStyle>
-          <a:p/>
+          <a:p>
+            <a:endParaRPr/>
+          </a:p>
         </p:txBody>
       </p:sp>
       <p:sp>
         <p:nvSpPr>
           <p:cNvPr id="43" name="Shape 43"/>
-          <p:cNvSpPr txBox="1"/>
+          <p:cNvSpPr txBox="1">
+            <a:spLocks noGrp="1"/>
+          </p:cNvSpPr>
           <p:nvPr>
-            <p:ph idx="1" type="subTitle"/>
+            <p:ph type="subTitle" idx="1"/>
           </p:nvPr>
         </p:nvSpPr>
         <p:spPr>
@@ -3158,7 +3378,7 @@
           </a:prstGeom>
         </p:spPr>
         <p:txBody>
-          <a:bodyPr anchorCtr="0" anchor="t" bIns="91425" lIns="91425" rIns="91425" tIns="91425"/>
+          <a:bodyPr lIns="91425" tIns="91425" rIns="91425" bIns="91425" anchor="t" anchorCtr="0"/>
           <a:lstStyle>
             <a:lvl1pPr lvl="0" algn="ctr">
               <a:lnSpc>
@@ -3350,15 +3570,19 @@
               </a:defRPr>
             </a:lvl9pPr>
           </a:lstStyle>
-          <a:p/>
+          <a:p>
+            <a:endParaRPr/>
+          </a:p>
         </p:txBody>
       </p:sp>
       <p:sp>
         <p:nvSpPr>
           <p:cNvPr id="44" name="Shape 44"/>
-          <p:cNvSpPr txBox="1"/>
+          <p:cNvSpPr txBox="1">
+            <a:spLocks noGrp="1"/>
+          </p:cNvSpPr>
           <p:nvPr>
-            <p:ph idx="2" type="body"/>
+            <p:ph type="body" idx="2"/>
           </p:nvPr>
         </p:nvSpPr>
         <p:spPr>
@@ -3371,7 +3595,7 @@
           </a:prstGeom>
         </p:spPr>
         <p:txBody>
-          <a:bodyPr anchorCtr="0" anchor="ctr" bIns="91425" lIns="91425" rIns="91425" tIns="91425"/>
+          <a:bodyPr lIns="91425" tIns="91425" rIns="91425" bIns="91425" anchor="ctr" anchorCtr="0"/>
           <a:lstStyle>
             <a:lvl1pPr lvl="0">
               <a:spcBef>
@@ -3491,15 +3715,19 @@
               </a:defRPr>
             </a:lvl9pPr>
           </a:lstStyle>
-          <a:p/>
+          <a:p>
+            <a:endParaRPr/>
+          </a:p>
         </p:txBody>
       </p:sp>
       <p:sp>
         <p:nvSpPr>
           <p:cNvPr id="45" name="Shape 45"/>
-          <p:cNvSpPr txBox="1"/>
+          <p:cNvSpPr txBox="1">
+            <a:spLocks noGrp="1"/>
+          </p:cNvSpPr>
           <p:nvPr>
-            <p:ph idx="12" type="sldNum"/>
+            <p:ph type="sldNum" idx="12"/>
           </p:nvPr>
         </p:nvSpPr>
         <p:spPr>
@@ -3512,7 +3740,7 @@
           </a:prstGeom>
         </p:spPr>
         <p:txBody>
-          <a:bodyPr anchorCtr="0" anchor="ctr" bIns="91425" lIns="91425" rIns="91425" tIns="91425">
+          <a:bodyPr lIns="91425" tIns="91425" rIns="91425" bIns="91425" anchor="ctr" anchorCtr="0">
             <a:noAutofit/>
           </a:bodyPr>
           <a:lstStyle/>
@@ -3531,6 +3759,11 @@
               </a:rPr>
               <a:t>‹#›</a:t>
             </a:fld>
+            <a:endParaRPr lang="en">
+              <a:solidFill>
+                <a:schemeClr val="lt1"/>
+              </a:solidFill>
+            </a:endParaRPr>
           </a:p>
         </p:txBody>
       </p:sp>
@@ -3543,11 +3776,11 @@
 </file>
 
 <file path=ppt/slideLayouts/slideLayout9.xml><?xml version="1.0" encoding="utf-8"?>
-<p:sldLayout xmlns:a="http://schemas.openxmlformats.org/drawingml/2006/main" xmlns:r="http://schemas.openxmlformats.org/officeDocument/2006/relationships" xmlns:mc="http://schemas.openxmlformats.org/markup-compatibility/2006" xmlns:mv="urn:schemas-microsoft-com:mac:vml" xmlns:p="http://schemas.openxmlformats.org/presentationml/2006/main" xmlns:c="http://schemas.openxmlformats.org/drawingml/2006/chart" xmlns:dgm="http://schemas.openxmlformats.org/drawingml/2006/diagram" xmlns:o="urn:schemas-microsoft-com:office:office" xmlns:v="urn:schemas-microsoft-com:vml" xmlns:pvml="urn:schemas-microsoft-com:office:powerpoint" xmlns:com="http://schemas.openxmlformats.org/drawingml/2006/compatibility" xmlns:p14="http://schemas.microsoft.com/office/powerpoint/2010/main">
+<p:sldLayout xmlns:a="http://schemas.openxmlformats.org/drawingml/2006/main" xmlns:r="http://schemas.openxmlformats.org/officeDocument/2006/relationships" xmlns:p="http://schemas.openxmlformats.org/presentationml/2006/main">
   <p:cSld name="Caption">
     <p:spTree>
       <p:nvGrpSpPr>
-        <p:cNvPr id="46" name="Shape 46"/>
+        <p:cNvPr id="1" name="Shape 46"/>
         <p:cNvGrpSpPr/>
         <p:nvPr/>
       </p:nvGrpSpPr>
@@ -3562,9 +3795,11 @@
       <p:sp>
         <p:nvSpPr>
           <p:cNvPr id="47" name="Shape 47"/>
-          <p:cNvSpPr txBox="1"/>
+          <p:cNvSpPr txBox="1">
+            <a:spLocks noGrp="1"/>
+          </p:cNvSpPr>
           <p:nvPr>
-            <p:ph idx="1" type="body"/>
+            <p:ph type="body" idx="1"/>
           </p:nvPr>
         </p:nvSpPr>
         <p:spPr>
@@ -3577,7 +3812,7 @@
           </a:prstGeom>
         </p:spPr>
         <p:txBody>
-          <a:bodyPr anchorCtr="0" anchor="ctr" bIns="91425" lIns="91425" rIns="91425" tIns="91425"/>
+          <a:bodyPr lIns="91425" tIns="91425" rIns="91425" bIns="91425" anchor="ctr" anchorCtr="0"/>
           <a:lstStyle>
             <a:lvl1pPr lvl="0">
               <a:lnSpc>
@@ -3606,15 +3841,19 @@
               </a:defRPr>
             </a:lvl1pPr>
           </a:lstStyle>
-          <a:p/>
+          <a:p>
+            <a:endParaRPr/>
+          </a:p>
         </p:txBody>
       </p:sp>
       <p:sp>
         <p:nvSpPr>
           <p:cNvPr id="48" name="Shape 48"/>
-          <p:cNvSpPr txBox="1"/>
+          <p:cNvSpPr txBox="1">
+            <a:spLocks noGrp="1"/>
+          </p:cNvSpPr>
           <p:nvPr>
-            <p:ph idx="12" type="sldNum"/>
+            <p:ph type="sldNum" idx="12"/>
           </p:nvPr>
         </p:nvSpPr>
         <p:spPr>
@@ -3627,7 +3866,7 @@
           </a:prstGeom>
         </p:spPr>
         <p:txBody>
-          <a:bodyPr anchorCtr="0" anchor="ctr" bIns="91425" lIns="91425" rIns="91425" tIns="91425">
+          <a:bodyPr lIns="91425" tIns="91425" rIns="91425" bIns="91425" anchor="ctr" anchorCtr="0">
             <a:noAutofit/>
           </a:bodyPr>
           <a:lstStyle/>
@@ -3642,6 +3881,7 @@
               <a:rPr lang="en"/>
               <a:t>‹#›</a:t>
             </a:fld>
+            <a:endParaRPr lang="en"/>
           </a:p>
         </p:txBody>
       </p:sp>
@@ -3654,18 +3894,19 @@
 </file>
 
 <file path=ppt/slideMasters/slideMaster1.xml><?xml version="1.0" encoding="utf-8"?>
-<p:sldMaster xmlns:a="http://schemas.openxmlformats.org/drawingml/2006/main" xmlns:r="http://schemas.openxmlformats.org/officeDocument/2006/relationships" xmlns:mc="http://schemas.openxmlformats.org/markup-compatibility/2006" xmlns:mv="urn:schemas-microsoft-com:mac:vml" xmlns:p="http://schemas.openxmlformats.org/presentationml/2006/main" xmlns:c="http://schemas.openxmlformats.org/drawingml/2006/chart" xmlns:dgm="http://schemas.openxmlformats.org/drawingml/2006/diagram" xmlns:o="urn:schemas-microsoft-com:office:office" xmlns:v="urn:schemas-microsoft-com:vml" xmlns:pvml="urn:schemas-microsoft-com:office:powerpoint" xmlns:com="http://schemas.openxmlformats.org/drawingml/2006/compatibility" xmlns:p14="http://schemas.microsoft.com/office/powerpoint/2010/main">
+<p:sldMaster xmlns:a="http://schemas.openxmlformats.org/drawingml/2006/main" xmlns:r="http://schemas.openxmlformats.org/officeDocument/2006/relationships" xmlns:p="http://schemas.openxmlformats.org/presentationml/2006/main">
   <p:cSld>
     <p:bg>
       <p:bgPr>
         <a:solidFill>
           <a:schemeClr val="lt1"/>
         </a:solidFill>
+        <a:effectLst/>
       </p:bgPr>
     </p:bg>
     <p:spTree>
       <p:nvGrpSpPr>
-        <p:cNvPr id="5" name="Shape 5"/>
+        <p:cNvPr id="1" name="Shape 5"/>
         <p:cNvGrpSpPr/>
         <p:nvPr/>
       </p:nvGrpSpPr>
@@ -3680,7 +3921,9 @@
       <p:sp>
         <p:nvSpPr>
           <p:cNvPr id="6" name="Shape 6"/>
-          <p:cNvSpPr txBox="1"/>
+          <p:cNvSpPr txBox="1">
+            <a:spLocks noGrp="1"/>
+          </p:cNvSpPr>
           <p:nvPr>
             <p:ph type="title"/>
           </p:nvPr>
@@ -3699,7 +3942,7 @@
           </a:ln>
         </p:spPr>
         <p:txBody>
-          <a:bodyPr anchorCtr="0" anchor="t" bIns="91425" lIns="91425" rIns="91425" tIns="91425"/>
+          <a:bodyPr lIns="91425" tIns="91425" rIns="91425" bIns="91425" anchor="t" anchorCtr="0"/>
           <a:lstStyle>
             <a:lvl1pPr lvl="0">
               <a:spcBef>
@@ -3882,15 +4125,19 @@
               </a:defRPr>
             </a:lvl9pPr>
           </a:lstStyle>
-          <a:p/>
+          <a:p>
+            <a:endParaRPr/>
+          </a:p>
         </p:txBody>
       </p:sp>
       <p:sp>
         <p:nvSpPr>
           <p:cNvPr id="7" name="Shape 7"/>
-          <p:cNvSpPr txBox="1"/>
+          <p:cNvSpPr txBox="1">
+            <a:spLocks noGrp="1"/>
+          </p:cNvSpPr>
           <p:nvPr>
-            <p:ph idx="1" type="body"/>
+            <p:ph type="body" idx="1"/>
           </p:nvPr>
         </p:nvSpPr>
         <p:spPr>
@@ -3907,7 +4154,7 @@
           </a:ln>
         </p:spPr>
         <p:txBody>
-          <a:bodyPr anchorCtr="0" anchor="t" bIns="91425" lIns="91425" rIns="91425" tIns="91425"/>
+          <a:bodyPr lIns="91425" tIns="91425" rIns="91425" bIns="91425" anchor="t" anchorCtr="0"/>
           <a:lstStyle>
             <a:lvl1pPr lvl="0">
               <a:lnSpc>
@@ -4127,15 +4374,19 @@
               </a:defRPr>
             </a:lvl9pPr>
           </a:lstStyle>
-          <a:p/>
+          <a:p>
+            <a:endParaRPr/>
+          </a:p>
         </p:txBody>
       </p:sp>
       <p:sp>
         <p:nvSpPr>
           <p:cNvPr id="8" name="Shape 8"/>
-          <p:cNvSpPr txBox="1"/>
+          <p:cNvSpPr txBox="1">
+            <a:spLocks noGrp="1"/>
+          </p:cNvSpPr>
           <p:nvPr>
-            <p:ph idx="12" type="sldNum"/>
+            <p:ph type="sldNum" idx="12"/>
           </p:nvPr>
         </p:nvSpPr>
         <p:spPr>
@@ -4152,7 +4403,7 @@
           </a:ln>
         </p:spPr>
         <p:txBody>
-          <a:bodyPr anchorCtr="0" anchor="ctr" bIns="91425" lIns="91425" rIns="91425" tIns="91425">
+          <a:bodyPr lIns="91425" tIns="91425" rIns="91425" bIns="91425" anchor="ctr" anchorCtr="0">
             <a:noAutofit/>
           </a:bodyPr>
           <a:lstStyle/>
@@ -4175,12 +4426,21 @@
               </a:rPr>
               <a:t>‹#›</a:t>
             </a:fld>
+            <a:endParaRPr lang="en" sz="1000">
+              <a:solidFill>
+                <a:schemeClr val="accent3"/>
+              </a:solidFill>
+              <a:latin typeface="Average"/>
+              <a:ea typeface="Average"/>
+              <a:cs typeface="Average"/>
+              <a:sym typeface="Average"/>
+            </a:endParaRPr>
           </a:p>
         </p:txBody>
       </p:sp>
     </p:spTree>
   </p:cSld>
-  <p:clrMap accent1="accent1" accent2="accent2" accent3="accent3" accent4="accent4" accent5="accent5" accent6="accent6" bg1="lt1" bg2="dk2" tx1="dk1" tx2="lt2" folHlink="folHlink" hlink="hlink"/>
+  <p:clrMap bg1="lt1" tx1="dk1" bg2="dk2" tx2="lt2" accent1="accent1" accent2="accent2" accent3="accent3" accent4="accent4" accent5="accent5" accent6="accent6" hlink="hlink" folHlink="folHlink"/>
   <p:sldLayoutIdLst>
     <p:sldLayoutId id="2147483648" r:id="rId1"/>
     <p:sldLayoutId id="2147483649" r:id="rId2"/>
@@ -4194,10 +4454,10 @@
     <p:sldLayoutId id="2147483657" r:id="rId10"/>
     <p:sldLayoutId id="2147483658" r:id="rId11"/>
   </p:sldLayoutIdLst>
-  <p:hf dt="0" ftr="0" hdr="0" sldNum="0"/>
+  <p:hf sldNum="0" hdr="0" ftr="0" dt="0"/>
   <p:txStyles>
     <p:titleStyle>
-      <a:defPPr lvl="0" marR="0" rtl="0" algn="l">
+      <a:defPPr marR="0" lvl="0" algn="l" rtl="0">
         <a:lnSpc>
           <a:spcPct val="100000"/>
         </a:lnSpc>
@@ -4208,7 +4468,7 @@
           <a:spcPts val="0"/>
         </a:spcAft>
       </a:defPPr>
-      <a:lvl1pPr lvl="0" marR="0" rtl="0" algn="l">
+      <a:lvl1pPr marR="0" lvl="0" algn="l" rtl="0">
         <a:lnSpc>
           <a:spcPct val="100000"/>
         </a:lnSpc>
@@ -4219,7 +4479,7 @@
           <a:spcPts val="0"/>
         </a:spcAft>
         <a:buNone/>
-        <a:defRPr b="0" i="0" sz="1400" u="none" cap="none" strike="noStrike">
+        <a:defRPr sz="1400" b="0" i="0" u="none" strike="noStrike" cap="none">
           <a:solidFill>
             <a:srgbClr val="000000"/>
           </a:solidFill>
@@ -4231,7 +4491,7 @@
       </a:lvl1pPr>
     </p:titleStyle>
     <p:bodyStyle>
-      <a:defPPr lvl="0" marR="0" rtl="0" algn="l">
+      <a:defPPr marR="0" lvl="0" algn="l" rtl="0">
         <a:lnSpc>
           <a:spcPct val="100000"/>
         </a:lnSpc>
@@ -4242,7 +4502,7 @@
           <a:spcPts val="0"/>
         </a:spcAft>
       </a:defPPr>
-      <a:lvl1pPr lvl="0" marR="0" rtl="0" algn="l">
+      <a:lvl1pPr marR="0" lvl="0" algn="l" rtl="0">
         <a:lnSpc>
           <a:spcPct val="100000"/>
         </a:lnSpc>
@@ -4253,7 +4513,7 @@
           <a:spcPts val="0"/>
         </a:spcAft>
         <a:buNone/>
-        <a:defRPr b="0" i="0" sz="1400" u="none" cap="none" strike="noStrike">
+        <a:defRPr sz="1400" b="0" i="0" u="none" strike="noStrike" cap="none">
           <a:solidFill>
             <a:srgbClr val="000000"/>
           </a:solidFill>
@@ -4263,7 +4523,7 @@
           <a:sym typeface="Arial"/>
         </a:defRPr>
       </a:lvl1pPr>
-      <a:lvl2pPr lvl="1" marR="0" rtl="0" algn="l">
+      <a:lvl2pPr marR="0" lvl="1" algn="l" rtl="0">
         <a:lnSpc>
           <a:spcPct val="100000"/>
         </a:lnSpc>
@@ -4274,7 +4534,7 @@
           <a:spcPts val="0"/>
         </a:spcAft>
         <a:buNone/>
-        <a:defRPr b="0" i="0" sz="1400" u="none" cap="none" strike="noStrike">
+        <a:defRPr sz="1400" b="0" i="0" u="none" strike="noStrike" cap="none">
           <a:solidFill>
             <a:srgbClr val="000000"/>
           </a:solidFill>
@@ -4284,7 +4544,7 @@
           <a:sym typeface="Arial"/>
         </a:defRPr>
       </a:lvl2pPr>
-      <a:lvl3pPr lvl="2" marR="0" rtl="0" algn="l">
+      <a:lvl3pPr marR="0" lvl="2" algn="l" rtl="0">
         <a:lnSpc>
           <a:spcPct val="100000"/>
         </a:lnSpc>
@@ -4295,7 +4555,7 @@
           <a:spcPts val="0"/>
         </a:spcAft>
         <a:buNone/>
-        <a:defRPr b="0" i="0" sz="1400" u="none" cap="none" strike="noStrike">
+        <a:defRPr sz="1400" b="0" i="0" u="none" strike="noStrike" cap="none">
           <a:solidFill>
             <a:srgbClr val="000000"/>
           </a:solidFill>
@@ -4305,7 +4565,7 @@
           <a:sym typeface="Arial"/>
         </a:defRPr>
       </a:lvl3pPr>
-      <a:lvl4pPr lvl="3" marR="0" rtl="0" algn="l">
+      <a:lvl4pPr marR="0" lvl="3" algn="l" rtl="0">
         <a:lnSpc>
           <a:spcPct val="100000"/>
         </a:lnSpc>
@@ -4316,7 +4576,7 @@
           <a:spcPts val="0"/>
         </a:spcAft>
         <a:buNone/>
-        <a:defRPr b="0" i="0" sz="1400" u="none" cap="none" strike="noStrike">
+        <a:defRPr sz="1400" b="0" i="0" u="none" strike="noStrike" cap="none">
           <a:solidFill>
             <a:srgbClr val="000000"/>
           </a:solidFill>
@@ -4326,7 +4586,7 @@
           <a:sym typeface="Arial"/>
         </a:defRPr>
       </a:lvl4pPr>
-      <a:lvl5pPr lvl="4" marR="0" rtl="0" algn="l">
+      <a:lvl5pPr marR="0" lvl="4" algn="l" rtl="0">
         <a:lnSpc>
           <a:spcPct val="100000"/>
         </a:lnSpc>
@@ -4337,7 +4597,7 @@
           <a:spcPts val="0"/>
         </a:spcAft>
         <a:buNone/>
-        <a:defRPr b="0" i="0" sz="1400" u="none" cap="none" strike="noStrike">
+        <a:defRPr sz="1400" b="0" i="0" u="none" strike="noStrike" cap="none">
           <a:solidFill>
             <a:srgbClr val="000000"/>
           </a:solidFill>
@@ -4347,7 +4607,7 @@
           <a:sym typeface="Arial"/>
         </a:defRPr>
       </a:lvl5pPr>
-      <a:lvl6pPr lvl="5" marR="0" rtl="0" algn="l">
+      <a:lvl6pPr marR="0" lvl="5" algn="l" rtl="0">
         <a:lnSpc>
           <a:spcPct val="100000"/>
         </a:lnSpc>
@@ -4358,7 +4618,7 @@
           <a:spcPts val="0"/>
         </a:spcAft>
         <a:buNone/>
-        <a:defRPr b="0" i="0" sz="1400" u="none" cap="none" strike="noStrike">
+        <a:defRPr sz="1400" b="0" i="0" u="none" strike="noStrike" cap="none">
           <a:solidFill>
             <a:srgbClr val="000000"/>
           </a:solidFill>
@@ -4368,7 +4628,7 @@
           <a:sym typeface="Arial"/>
         </a:defRPr>
       </a:lvl6pPr>
-      <a:lvl7pPr lvl="6" marR="0" rtl="0" algn="l">
+      <a:lvl7pPr marR="0" lvl="6" algn="l" rtl="0">
         <a:lnSpc>
           <a:spcPct val="100000"/>
         </a:lnSpc>
@@ -4379,7 +4639,7 @@
           <a:spcPts val="0"/>
         </a:spcAft>
         <a:buNone/>
-        <a:defRPr b="0" i="0" sz="1400" u="none" cap="none" strike="noStrike">
+        <a:defRPr sz="1400" b="0" i="0" u="none" strike="noStrike" cap="none">
           <a:solidFill>
             <a:srgbClr val="000000"/>
           </a:solidFill>
@@ -4389,7 +4649,7 @@
           <a:sym typeface="Arial"/>
         </a:defRPr>
       </a:lvl7pPr>
-      <a:lvl8pPr lvl="7" marR="0" rtl="0" algn="l">
+      <a:lvl8pPr marR="0" lvl="7" algn="l" rtl="0">
         <a:lnSpc>
           <a:spcPct val="100000"/>
         </a:lnSpc>
@@ -4400,7 +4660,7 @@
           <a:spcPts val="0"/>
         </a:spcAft>
         <a:buNone/>
-        <a:defRPr b="0" i="0" sz="1400" u="none" cap="none" strike="noStrike">
+        <a:defRPr sz="1400" b="0" i="0" u="none" strike="noStrike" cap="none">
           <a:solidFill>
             <a:srgbClr val="000000"/>
           </a:solidFill>
@@ -4410,7 +4670,7 @@
           <a:sym typeface="Arial"/>
         </a:defRPr>
       </a:lvl8pPr>
-      <a:lvl9pPr lvl="8" marR="0" rtl="0" algn="l">
+      <a:lvl9pPr marR="0" lvl="8" algn="l" rtl="0">
         <a:lnSpc>
           <a:spcPct val="100000"/>
         </a:lnSpc>
@@ -4421,7 +4681,7 @@
           <a:spcPts val="0"/>
         </a:spcAft>
         <a:buNone/>
-        <a:defRPr b="0" i="0" sz="1400" u="none" cap="none" strike="noStrike">
+        <a:defRPr sz="1400" b="0" i="0" u="none" strike="noStrike" cap="none">
           <a:solidFill>
             <a:srgbClr val="000000"/>
           </a:solidFill>
@@ -4433,7 +4693,7 @@
       </a:lvl9pPr>
     </p:bodyStyle>
     <p:otherStyle>
-      <a:defPPr lvl="0" marR="0" rtl="0" algn="l">
+      <a:defPPr marR="0" lvl="0" algn="l" rtl="0">
         <a:lnSpc>
           <a:spcPct val="100000"/>
         </a:lnSpc>
@@ -4444,7 +4704,7 @@
           <a:spcPts val="0"/>
         </a:spcAft>
       </a:defPPr>
-      <a:lvl1pPr lvl="0" marR="0" rtl="0" algn="l">
+      <a:lvl1pPr marR="0" lvl="0" algn="l" rtl="0">
         <a:lnSpc>
           <a:spcPct val="100000"/>
         </a:lnSpc>
@@ -4455,7 +4715,7 @@
           <a:spcPts val="0"/>
         </a:spcAft>
         <a:buNone/>
-        <a:defRPr b="0" i="0" sz="1400" u="none" cap="none" strike="noStrike">
+        <a:defRPr sz="1400" b="0" i="0" u="none" strike="noStrike" cap="none">
           <a:solidFill>
             <a:srgbClr val="000000"/>
           </a:solidFill>
@@ -4465,7 +4725,7 @@
           <a:sym typeface="Arial"/>
         </a:defRPr>
       </a:lvl1pPr>
-      <a:lvl2pPr lvl="1" marR="0" rtl="0" algn="l">
+      <a:lvl2pPr marR="0" lvl="1" algn="l" rtl="0">
         <a:lnSpc>
           <a:spcPct val="100000"/>
         </a:lnSpc>
@@ -4476,7 +4736,7 @@
           <a:spcPts val="0"/>
         </a:spcAft>
         <a:buNone/>
-        <a:defRPr b="0" i="0" sz="1400" u="none" cap="none" strike="noStrike">
+        <a:defRPr sz="1400" b="0" i="0" u="none" strike="noStrike" cap="none">
           <a:solidFill>
             <a:srgbClr val="000000"/>
           </a:solidFill>
@@ -4486,7 +4746,7 @@
           <a:sym typeface="Arial"/>
         </a:defRPr>
       </a:lvl2pPr>
-      <a:lvl3pPr lvl="2" marR="0" rtl="0" algn="l">
+      <a:lvl3pPr marR="0" lvl="2" algn="l" rtl="0">
         <a:lnSpc>
           <a:spcPct val="100000"/>
         </a:lnSpc>
@@ -4497,7 +4757,7 @@
           <a:spcPts val="0"/>
         </a:spcAft>
         <a:buNone/>
-        <a:defRPr b="0" i="0" sz="1400" u="none" cap="none" strike="noStrike">
+        <a:defRPr sz="1400" b="0" i="0" u="none" strike="noStrike" cap="none">
           <a:solidFill>
             <a:srgbClr val="000000"/>
           </a:solidFill>
@@ -4507,7 +4767,7 @@
           <a:sym typeface="Arial"/>
         </a:defRPr>
       </a:lvl3pPr>
-      <a:lvl4pPr lvl="3" marR="0" rtl="0" algn="l">
+      <a:lvl4pPr marR="0" lvl="3" algn="l" rtl="0">
         <a:lnSpc>
           <a:spcPct val="100000"/>
         </a:lnSpc>
@@ -4518,7 +4778,7 @@
           <a:spcPts val="0"/>
         </a:spcAft>
         <a:buNone/>
-        <a:defRPr b="0" i="0" sz="1400" u="none" cap="none" strike="noStrike">
+        <a:defRPr sz="1400" b="0" i="0" u="none" strike="noStrike" cap="none">
           <a:solidFill>
             <a:srgbClr val="000000"/>
           </a:solidFill>
@@ -4528,7 +4788,7 @@
           <a:sym typeface="Arial"/>
         </a:defRPr>
       </a:lvl4pPr>
-      <a:lvl5pPr lvl="4" marR="0" rtl="0" algn="l">
+      <a:lvl5pPr marR="0" lvl="4" algn="l" rtl="0">
         <a:lnSpc>
           <a:spcPct val="100000"/>
         </a:lnSpc>
@@ -4539,7 +4799,7 @@
           <a:spcPts val="0"/>
         </a:spcAft>
         <a:buNone/>
-        <a:defRPr b="0" i="0" sz="1400" u="none" cap="none" strike="noStrike">
+        <a:defRPr sz="1400" b="0" i="0" u="none" strike="noStrike" cap="none">
           <a:solidFill>
             <a:srgbClr val="000000"/>
           </a:solidFill>
@@ -4549,7 +4809,7 @@
           <a:sym typeface="Arial"/>
         </a:defRPr>
       </a:lvl5pPr>
-      <a:lvl6pPr lvl="5" marR="0" rtl="0" algn="l">
+      <a:lvl6pPr marR="0" lvl="5" algn="l" rtl="0">
         <a:lnSpc>
           <a:spcPct val="100000"/>
         </a:lnSpc>
@@ -4560,7 +4820,7 @@
           <a:spcPts val="0"/>
         </a:spcAft>
         <a:buNone/>
-        <a:defRPr b="0" i="0" sz="1400" u="none" cap="none" strike="noStrike">
+        <a:defRPr sz="1400" b="0" i="0" u="none" strike="noStrike" cap="none">
           <a:solidFill>
             <a:srgbClr val="000000"/>
           </a:solidFill>
@@ -4570,7 +4830,7 @@
           <a:sym typeface="Arial"/>
         </a:defRPr>
       </a:lvl6pPr>
-      <a:lvl7pPr lvl="6" marR="0" rtl="0" algn="l">
+      <a:lvl7pPr marR="0" lvl="6" algn="l" rtl="0">
         <a:lnSpc>
           <a:spcPct val="100000"/>
         </a:lnSpc>
@@ -4581,7 +4841,7 @@
           <a:spcPts val="0"/>
         </a:spcAft>
         <a:buNone/>
-        <a:defRPr b="0" i="0" sz="1400" u="none" cap="none" strike="noStrike">
+        <a:defRPr sz="1400" b="0" i="0" u="none" strike="noStrike" cap="none">
           <a:solidFill>
             <a:srgbClr val="000000"/>
           </a:solidFill>
@@ -4591,7 +4851,7 @@
           <a:sym typeface="Arial"/>
         </a:defRPr>
       </a:lvl7pPr>
-      <a:lvl8pPr lvl="7" marR="0" rtl="0" algn="l">
+      <a:lvl8pPr marR="0" lvl="7" algn="l" rtl="0">
         <a:lnSpc>
           <a:spcPct val="100000"/>
         </a:lnSpc>
@@ -4602,7 +4862,7 @@
           <a:spcPts val="0"/>
         </a:spcAft>
         <a:buNone/>
-        <a:defRPr b="0" i="0" sz="1400" u="none" cap="none" strike="noStrike">
+        <a:defRPr sz="1400" b="0" i="0" u="none" strike="noStrike" cap="none">
           <a:solidFill>
             <a:srgbClr val="000000"/>
           </a:solidFill>
@@ -4612,7 +4872,7 @@
           <a:sym typeface="Arial"/>
         </a:defRPr>
       </a:lvl8pPr>
-      <a:lvl9pPr lvl="8" marR="0" rtl="0" algn="l">
+      <a:lvl9pPr marR="0" lvl="8" algn="l" rtl="0">
         <a:lnSpc>
           <a:spcPct val="100000"/>
         </a:lnSpc>
@@ -4623,7 +4883,7 @@
           <a:spcPts val="0"/>
         </a:spcAft>
         <a:buNone/>
-        <a:defRPr b="0" i="0" sz="1400" u="none" cap="none" strike="noStrike">
+        <a:defRPr sz="1400" b="0" i="0" u="none" strike="noStrike" cap="none">
           <a:solidFill>
             <a:srgbClr val="000000"/>
           </a:solidFill>
@@ -4639,11 +4899,11 @@
 </file>
 
 <file path=ppt/slides/slide1.xml><?xml version="1.0" encoding="utf-8"?>
-<p:sld xmlns:a="http://schemas.openxmlformats.org/drawingml/2006/main" xmlns:r="http://schemas.openxmlformats.org/officeDocument/2006/relationships" xmlns:mc="http://schemas.openxmlformats.org/markup-compatibility/2006" xmlns:mv="urn:schemas-microsoft-com:mac:vml" xmlns:p="http://schemas.openxmlformats.org/presentationml/2006/main" xmlns:c="http://schemas.openxmlformats.org/drawingml/2006/chart" xmlns:dgm="http://schemas.openxmlformats.org/drawingml/2006/diagram" xmlns:o="urn:schemas-microsoft-com:office:office" xmlns:v="urn:schemas-microsoft-com:vml" xmlns:pvml="urn:schemas-microsoft-com:office:powerpoint" xmlns:com="http://schemas.openxmlformats.org/drawingml/2006/compatibility" xmlns:p14="http://schemas.microsoft.com/office/powerpoint/2010/main">
+<p:sld xmlns:a="http://schemas.openxmlformats.org/drawingml/2006/main" xmlns:r="http://schemas.openxmlformats.org/officeDocument/2006/relationships" xmlns:p="http://schemas.openxmlformats.org/presentationml/2006/main">
   <p:cSld>
     <p:spTree>
       <p:nvGrpSpPr>
-        <p:cNvPr id="58" name="Shape 58"/>
+        <p:cNvPr id="1" name="Shape 58"/>
         <p:cNvGrpSpPr/>
         <p:nvPr/>
       </p:nvGrpSpPr>
@@ -4658,7 +4918,9 @@
       <p:sp>
         <p:nvSpPr>
           <p:cNvPr id="59" name="Shape 59"/>
-          <p:cNvSpPr txBox="1"/>
+          <p:cNvSpPr txBox="1">
+            <a:spLocks noGrp="1"/>
+          </p:cNvSpPr>
           <p:nvPr>
             <p:ph type="ctrTitle"/>
           </p:nvPr>
@@ -4673,7 +4935,7 @@
           </a:prstGeom>
         </p:spPr>
         <p:txBody>
-          <a:bodyPr anchorCtr="0" anchor="b" bIns="91425" lIns="91425" rIns="91425" tIns="91425">
+          <a:bodyPr lIns="91425" tIns="91425" rIns="91425" bIns="91425" anchor="b" anchorCtr="0">
             <a:noAutofit/>
           </a:bodyPr>
           <a:lstStyle/>
@@ -4702,9 +4964,11 @@
       <p:sp>
         <p:nvSpPr>
           <p:cNvPr id="60" name="Shape 60"/>
-          <p:cNvSpPr txBox="1"/>
+          <p:cNvSpPr txBox="1">
+            <a:spLocks noGrp="1"/>
+          </p:cNvSpPr>
           <p:nvPr>
-            <p:ph idx="1" type="subTitle"/>
+            <p:ph type="subTitle" idx="1"/>
           </p:nvPr>
         </p:nvSpPr>
         <p:spPr>
@@ -4717,12 +4981,12 @@
           </a:prstGeom>
         </p:spPr>
         <p:txBody>
-          <a:bodyPr anchorCtr="0" anchor="t" bIns="91425" lIns="91425" rIns="91425" tIns="91425">
+          <a:bodyPr lIns="91425" tIns="91425" rIns="91425" bIns="91425" anchor="t" anchorCtr="0">
             <a:noAutofit/>
           </a:bodyPr>
           <a:lstStyle/>
           <a:p>
-            <a:pPr indent="0" lvl="0" marL="0" rtl="0">
+            <a:pPr marL="0" lvl="0" indent="0" rtl="0">
               <a:spcBef>
                 <a:spcPts val="0"/>
               </a:spcBef>
@@ -4774,34 +5038,10 @@
               </a:spcBef>
               <a:buNone/>
             </a:pPr>
-            <a:r>
-              <a:t/>
-            </a:r>
             <a:endParaRPr/>
           </a:p>
         </p:txBody>
       </p:sp>
-      <p:pic>
-        <p:nvPicPr>
-          <p:cNvPr descr="ncsu-logo.jpeg" id="61" name="Shape 61"/>
-          <p:cNvPicPr preferRelativeResize="0"/>
-          <p:nvPr/>
-        </p:nvPicPr>
-        <p:blipFill/>
-        <p:spPr>
-          <a:xfrm>
-            <a:off x="4058125" y="5283308"/>
-            <a:ext cx="1139525" cy="1139525"/>
-          </a:xfrm>
-          <a:prstGeom prst="rect">
-            <a:avLst/>
-          </a:prstGeom>
-          <a:noFill/>
-          <a:ln>
-            <a:noFill/>
-          </a:ln>
-        </p:spPr>
-      </p:pic>
     </p:spTree>
   </p:cSld>
   <p:clrMapOvr>
@@ -4811,11 +5051,11 @@
 </file>
 
 <file path=ppt/slides/slide2.xml><?xml version="1.0" encoding="utf-8"?>
-<p:sld xmlns:a="http://schemas.openxmlformats.org/drawingml/2006/main" xmlns:r="http://schemas.openxmlformats.org/officeDocument/2006/relationships" xmlns:mc="http://schemas.openxmlformats.org/markup-compatibility/2006" xmlns:mv="urn:schemas-microsoft-com:mac:vml" xmlns:p="http://schemas.openxmlformats.org/presentationml/2006/main" xmlns:c="http://schemas.openxmlformats.org/drawingml/2006/chart" xmlns:dgm="http://schemas.openxmlformats.org/drawingml/2006/diagram" xmlns:o="urn:schemas-microsoft-com:office:office" xmlns:v="urn:schemas-microsoft-com:vml" xmlns:pvml="urn:schemas-microsoft-com:office:powerpoint" xmlns:com="http://schemas.openxmlformats.org/drawingml/2006/compatibility" xmlns:p14="http://schemas.microsoft.com/office/powerpoint/2010/main">
+<p:sld xmlns:a="http://schemas.openxmlformats.org/drawingml/2006/main" xmlns:r="http://schemas.openxmlformats.org/officeDocument/2006/relationships" xmlns:p="http://schemas.openxmlformats.org/presentationml/2006/main">
   <p:cSld>
     <p:spTree>
       <p:nvGrpSpPr>
-        <p:cNvPr id="65" name="Shape 65"/>
+        <p:cNvPr id="1" name="Shape 65"/>
         <p:cNvGrpSpPr/>
         <p:nvPr/>
       </p:nvGrpSpPr>
@@ -4830,7 +5070,9 @@
       <p:sp>
         <p:nvSpPr>
           <p:cNvPr id="66" name="Shape 66"/>
-          <p:cNvSpPr txBox="1"/>
+          <p:cNvSpPr txBox="1">
+            <a:spLocks noGrp="1"/>
+          </p:cNvSpPr>
           <p:nvPr>
             <p:ph type="title"/>
           </p:nvPr>
@@ -4845,12 +5087,12 @@
           </a:prstGeom>
         </p:spPr>
         <p:txBody>
-          <a:bodyPr anchorCtr="0" anchor="t" bIns="91425" lIns="91425" rIns="91425" tIns="91425">
+          <a:bodyPr lIns="91425" tIns="91425" rIns="91425" bIns="91425" anchor="t" anchorCtr="0">
             <a:noAutofit/>
           </a:bodyPr>
           <a:lstStyle/>
           <a:p>
-            <a:pPr indent="0" lvl="0" marL="0" rtl="0">
+            <a:pPr marL="0" lvl="0" indent="0" rtl="0">
               <a:spcBef>
                 <a:spcPts val="0"/>
               </a:spcBef>
@@ -4879,9 +5121,11 @@
       <p:sp>
         <p:nvSpPr>
           <p:cNvPr id="67" name="Shape 67"/>
-          <p:cNvSpPr txBox="1"/>
+          <p:cNvSpPr txBox="1">
+            <a:spLocks noGrp="1"/>
+          </p:cNvSpPr>
           <p:nvPr>
-            <p:ph idx="1" type="body"/>
+            <p:ph type="body" idx="1"/>
           </p:nvPr>
         </p:nvSpPr>
         <p:spPr>
@@ -4894,7 +5138,7 @@
           </a:prstGeom>
         </p:spPr>
         <p:txBody>
-          <a:bodyPr anchorCtr="0" anchor="t" bIns="91425" lIns="91425" rIns="91425" tIns="91425">
+          <a:bodyPr lIns="91425" tIns="91425" rIns="91425" bIns="91425" anchor="t" anchorCtr="0">
             <a:noAutofit/>
           </a:bodyPr>
           <a:lstStyle/>
@@ -4905,16 +5149,13 @@
               </a:spcBef>
               <a:buNone/>
             </a:pPr>
-            <a:r>
-              <a:t/>
-            </a:r>
             <a:endParaRPr/>
           </a:p>
         </p:txBody>
       </p:sp>
       <p:pic>
         <p:nvPicPr>
-          <p:cNvPr descr="Screen Shot 2016-01-11 at 12.12.02 PM.png" id="68" name="Shape 68"/>
+          <p:cNvPr id="68" name="Shape 68" descr="Screen Shot 2016-01-11 at 12.12.02 PM.png"/>
           <p:cNvPicPr preferRelativeResize="0"/>
           <p:nvPr/>
         </p:nvPicPr>
@@ -4922,7 +5163,7 @@
           <a:blip r:embed="rId4">
             <a:alphaModFix/>
           </a:blip>
-          <a:srcRect b="2299" l="0" r="0" t="2289"/>
+          <a:srcRect t="2289" b="2299"/>
           <a:stretch/>
         </p:blipFill>
         <p:spPr>
@@ -4948,11 +5189,11 @@
 </file>
 
 <file path=ppt/slides/slide3.xml><?xml version="1.0" encoding="utf-8"?>
-<p:sld xmlns:a="http://schemas.openxmlformats.org/drawingml/2006/main" xmlns:r="http://schemas.openxmlformats.org/officeDocument/2006/relationships" xmlns:mc="http://schemas.openxmlformats.org/markup-compatibility/2006" xmlns:mv="urn:schemas-microsoft-com:mac:vml" xmlns:p="http://schemas.openxmlformats.org/presentationml/2006/main" xmlns:c="http://schemas.openxmlformats.org/drawingml/2006/chart" xmlns:dgm="http://schemas.openxmlformats.org/drawingml/2006/diagram" xmlns:o="urn:schemas-microsoft-com:office:office" xmlns:v="urn:schemas-microsoft-com:vml" xmlns:pvml="urn:schemas-microsoft-com:office:powerpoint" xmlns:com="http://schemas.openxmlformats.org/drawingml/2006/compatibility" xmlns:p14="http://schemas.microsoft.com/office/powerpoint/2010/main">
+<p:sld xmlns:a="http://schemas.openxmlformats.org/drawingml/2006/main" xmlns:r="http://schemas.openxmlformats.org/officeDocument/2006/relationships" xmlns:p="http://schemas.openxmlformats.org/presentationml/2006/main">
   <p:cSld>
     <p:spTree>
       <p:nvGrpSpPr>
-        <p:cNvPr id="72" name="Shape 72"/>
+        <p:cNvPr id="1" name="Shape 72"/>
         <p:cNvGrpSpPr/>
         <p:nvPr/>
       </p:nvGrpSpPr>
@@ -4967,7 +5208,9 @@
       <p:sp>
         <p:nvSpPr>
           <p:cNvPr id="73" name="Shape 73"/>
-          <p:cNvSpPr txBox="1"/>
+          <p:cNvSpPr txBox="1">
+            <a:spLocks noGrp="1"/>
+          </p:cNvSpPr>
           <p:nvPr>
             <p:ph type="title"/>
           </p:nvPr>
@@ -4982,7 +5225,7 @@
           </a:prstGeom>
         </p:spPr>
         <p:txBody>
-          <a:bodyPr anchorCtr="0" anchor="t" bIns="91425" lIns="91425" rIns="91425" tIns="91425">
+          <a:bodyPr lIns="91425" tIns="91425" rIns="91425" bIns="91425" anchor="t" anchorCtr="0">
             <a:noAutofit/>
           </a:bodyPr>
           <a:lstStyle/>
@@ -5003,9 +5246,11 @@
       <p:sp>
         <p:nvSpPr>
           <p:cNvPr id="74" name="Shape 74"/>
-          <p:cNvSpPr txBox="1"/>
+          <p:cNvSpPr txBox="1">
+            <a:spLocks noGrp="1"/>
+          </p:cNvSpPr>
           <p:nvPr>
-            <p:ph idx="1" type="body"/>
+            <p:ph type="body" idx="1"/>
           </p:nvPr>
         </p:nvSpPr>
         <p:spPr>
@@ -5018,12 +5263,12 @@
           </a:prstGeom>
         </p:spPr>
         <p:txBody>
-          <a:bodyPr anchorCtr="0" anchor="t" bIns="91425" lIns="91425" rIns="91425" tIns="91425">
+          <a:bodyPr lIns="91425" tIns="91425" rIns="91425" bIns="91425" anchor="t" anchorCtr="0">
             <a:noAutofit/>
           </a:bodyPr>
           <a:lstStyle/>
           <a:p>
-            <a:pPr indent="-381000" lvl="0" marL="457200" rtl="0">
+            <a:pPr marL="457200" lvl="0" indent="-381000" rtl="0">
               <a:spcBef>
                 <a:spcPts val="0"/>
               </a:spcBef>
@@ -5038,7 +5283,7 @@
             </a:r>
           </a:p>
           <a:p>
-            <a:pPr indent="-381000" lvl="0" marL="457200" rtl="0">
+            <a:pPr marL="457200" lvl="0" indent="-381000" rtl="0">
               <a:spcBef>
                 <a:spcPts val="0"/>
               </a:spcBef>
@@ -5053,7 +5298,7 @@
             </a:r>
           </a:p>
           <a:p>
-            <a:pPr indent="-381000" lvl="0" marL="457200" rtl="0">
+            <a:pPr marL="457200" lvl="0" indent="-381000" rtl="0">
               <a:spcBef>
                 <a:spcPts val="0"/>
               </a:spcBef>
@@ -5068,7 +5313,7 @@
             </a:r>
           </a:p>
           <a:p>
-            <a:pPr indent="-381000" lvl="0" marL="457200" rtl="0">
+            <a:pPr marL="457200" lvl="0" indent="-381000" rtl="0">
               <a:spcBef>
                 <a:spcPts val="0"/>
               </a:spcBef>
@@ -5083,7 +5328,7 @@
             </a:r>
           </a:p>
           <a:p>
-            <a:pPr indent="-381000" lvl="0" marL="457200" rtl="0">
+            <a:pPr marL="457200" lvl="0" indent="-381000" rtl="0">
               <a:spcBef>
                 <a:spcPts val="0"/>
               </a:spcBef>
@@ -5098,7 +5343,7 @@
             </a:r>
           </a:p>
           <a:p>
-            <a:pPr indent="-381000" lvl="0" marL="457200" rtl="0">
+            <a:pPr marL="457200" lvl="0" indent="-381000" rtl="0">
               <a:spcBef>
                 <a:spcPts val="0"/>
               </a:spcBef>
@@ -5120,7 +5365,7 @@
             </a:r>
           </a:p>
           <a:p>
-            <a:pPr indent="-381000" lvl="0" marL="457200" rtl="0">
+            <a:pPr marL="457200" lvl="0" indent="-381000" rtl="0">
               <a:spcBef>
                 <a:spcPts val="0"/>
               </a:spcBef>
@@ -5135,7 +5380,7 @@
             </a:r>
           </a:p>
           <a:p>
-            <a:pPr indent="-381000" lvl="0" marL="457200" rtl="0">
+            <a:pPr marL="457200" lvl="0" indent="-381000" rtl="0">
               <a:spcBef>
                 <a:spcPts val="0"/>
               </a:spcBef>
@@ -5150,7 +5395,7 @@
             </a:r>
           </a:p>
           <a:p>
-            <a:pPr indent="-381000" lvl="0" marL="457200" rtl="0">
+            <a:pPr marL="457200" lvl="0" indent="-381000" rtl="0">
               <a:spcBef>
                 <a:spcPts val="0"/>
               </a:spcBef>
@@ -5175,11 +5420,11 @@
 </file>
 
 <file path=ppt/slides/slide4.xml><?xml version="1.0" encoding="utf-8"?>
-<p:sld xmlns:a="http://schemas.openxmlformats.org/drawingml/2006/main" xmlns:r="http://schemas.openxmlformats.org/officeDocument/2006/relationships" xmlns:mc="http://schemas.openxmlformats.org/markup-compatibility/2006" xmlns:mv="urn:schemas-microsoft-com:mac:vml" xmlns:p="http://schemas.openxmlformats.org/presentationml/2006/main" xmlns:c="http://schemas.openxmlformats.org/drawingml/2006/chart" xmlns:dgm="http://schemas.openxmlformats.org/drawingml/2006/diagram" xmlns:o="urn:schemas-microsoft-com:office:office" xmlns:v="urn:schemas-microsoft-com:vml" xmlns:pvml="urn:schemas-microsoft-com:office:powerpoint" xmlns:com="http://schemas.openxmlformats.org/drawingml/2006/compatibility" xmlns:p14="http://schemas.microsoft.com/office/powerpoint/2010/main">
+<p:sld xmlns:a="http://schemas.openxmlformats.org/drawingml/2006/main" xmlns:r="http://schemas.openxmlformats.org/officeDocument/2006/relationships" xmlns:p="http://schemas.openxmlformats.org/presentationml/2006/main">
   <p:cSld>
     <p:spTree>
       <p:nvGrpSpPr>
-        <p:cNvPr id="78" name="Shape 78"/>
+        <p:cNvPr id="1" name="Shape 78"/>
         <p:cNvGrpSpPr/>
         <p:nvPr/>
       </p:nvGrpSpPr>
@@ -5194,7 +5439,9 @@
       <p:sp>
         <p:nvSpPr>
           <p:cNvPr id="79" name="Shape 79"/>
-          <p:cNvSpPr txBox="1"/>
+          <p:cNvSpPr txBox="1">
+            <a:spLocks noGrp="1"/>
+          </p:cNvSpPr>
           <p:nvPr>
             <p:ph type="title"/>
           </p:nvPr>
@@ -5209,7 +5456,7 @@
           </a:prstGeom>
         </p:spPr>
         <p:txBody>
-          <a:bodyPr anchorCtr="0" anchor="t" bIns="91425" lIns="91425" rIns="91425" tIns="91425">
+          <a:bodyPr lIns="91425" tIns="91425" rIns="91425" bIns="91425" anchor="t" anchorCtr="0">
             <a:noAutofit/>
           </a:bodyPr>
           <a:lstStyle/>
@@ -5230,9 +5477,11 @@
       <p:sp>
         <p:nvSpPr>
           <p:cNvPr id="80" name="Shape 80"/>
-          <p:cNvSpPr txBox="1"/>
+          <p:cNvSpPr txBox="1">
+            <a:spLocks noGrp="1"/>
+          </p:cNvSpPr>
           <p:nvPr>
-            <p:ph idx="1" type="body"/>
+            <p:ph type="body" idx="1"/>
           </p:nvPr>
         </p:nvSpPr>
         <p:spPr>
@@ -5245,7 +5494,7 @@
           </a:prstGeom>
         </p:spPr>
         <p:txBody>
-          <a:bodyPr anchorCtr="0" anchor="t" bIns="91425" lIns="91425" rIns="91425" tIns="91425">
+          <a:bodyPr lIns="91425" tIns="91425" rIns="91425" bIns="91425" anchor="t" anchorCtr="0">
             <a:noAutofit/>
           </a:bodyPr>
           <a:lstStyle/>
@@ -5260,7 +5509,7 @@
               <a:buNone/>
             </a:pPr>
             <a:r>
-              <a:rPr lang="en" sz="2400"/>
+              <a:rPr lang="en" sz="2400" dirty="0"/>
               <a:t>Cleaning data means removing problematic characters, whitespaces, symbols, errors, missing elements and inconsistencies. </a:t>
             </a:r>
           </a:p>
@@ -5274,10 +5523,7 @@
               </a:spcAft>
               <a:buNone/>
             </a:pPr>
-            <a:r>
-              <a:t/>
-            </a:r>
-            <a:endParaRPr sz="1800">
+            <a:endParaRPr sz="1800" dirty="0">
               <a:solidFill>
                 <a:srgbClr val="F3F3F3"/>
               </a:solidFill>
@@ -5290,10 +5536,7 @@
               </a:spcBef>
               <a:buNone/>
             </a:pPr>
-            <a:r>
-              <a:t/>
-            </a:r>
-            <a:endParaRPr sz="2400">
+            <a:endParaRPr sz="2400" dirty="0">
               <a:solidFill>
                 <a:schemeClr val="dk1"/>
               </a:solidFill>
@@ -5307,43 +5550,49 @@
               <a:buNone/>
             </a:pPr>
             <a:r>
-              <a:rPr lang="en" sz="2400"/>
+              <a:rPr lang="en" sz="2400" dirty="0"/>
               <a:t>Tools: </a:t>
             </a:r>
           </a:p>
           <a:p>
-            <a:pPr indent="-381000" lvl="0" marL="457200" rtl="0">
-              <a:spcBef>
-                <a:spcPts val="0"/>
-              </a:spcBef>
-              <a:buSzPct val="100000"/>
+            <a:pPr marL="457200" lvl="0" indent="-381000" rtl="0">
+              <a:spcBef>
+                <a:spcPts val="0"/>
+              </a:spcBef>
+              <a:buSzPct val="100000"/>
+              <a:buFont typeface="Arial"/>
+              <a:buChar char="•"/>
             </a:pPr>
             <a:r>
-              <a:rPr lang="en" sz="2400"/>
+              <a:rPr lang="en" sz="2400" dirty="0"/>
               <a:t>Open Refine</a:t>
             </a:r>
           </a:p>
           <a:p>
-            <a:pPr indent="-381000" lvl="0" marL="457200" rtl="0">
-              <a:spcBef>
-                <a:spcPts val="0"/>
-              </a:spcBef>
-              <a:buSzPct val="100000"/>
+            <a:pPr marL="457200" lvl="0" indent="-381000" rtl="0">
+              <a:spcBef>
+                <a:spcPts val="0"/>
+              </a:spcBef>
+              <a:buSzPct val="100000"/>
+              <a:buFont typeface="Arial"/>
+              <a:buChar char="•"/>
             </a:pPr>
             <a:r>
-              <a:rPr lang="en" sz="2400"/>
+              <a:rPr lang="en" sz="2400" dirty="0"/>
               <a:t>ASAP Utilities for Excel</a:t>
             </a:r>
           </a:p>
           <a:p>
-            <a:pPr indent="-381000" lvl="0" marL="457200" rtl="0">
-              <a:spcBef>
-                <a:spcPts val="0"/>
-              </a:spcBef>
-              <a:buSzPct val="100000"/>
+            <a:pPr marL="457200" lvl="0" indent="-381000" rtl="0">
+              <a:spcBef>
+                <a:spcPts val="0"/>
+              </a:spcBef>
+              <a:buSzPct val="100000"/>
+              <a:buFont typeface="Arial"/>
+              <a:buChar char="•"/>
             </a:pPr>
             <a:r>
-              <a:rPr lang="en" sz="2400"/>
+              <a:rPr lang="en" sz="2400" dirty="0"/>
               <a:t>Data cleaning using code in R or SAS </a:t>
             </a:r>
           </a:p>
@@ -5354,34 +5603,10 @@
               </a:spcBef>
               <a:buNone/>
             </a:pPr>
-            <a:r>
-              <a:t/>
-            </a:r>
-            <a:endParaRPr sz="2400"/>
+            <a:endParaRPr sz="2400" dirty="0"/>
           </a:p>
         </p:txBody>
       </p:sp>
-      <p:pic>
-        <p:nvPicPr>
-          <p:cNvPr descr="Screen Shot 2016-01-28 at 4.00.41 PM.png" id="81" name="Shape 81"/>
-          <p:cNvPicPr preferRelativeResize="0"/>
-          <p:nvPr/>
-        </p:nvPicPr>
-        <p:blipFill/>
-        <p:spPr>
-          <a:xfrm>
-            <a:off x="2851087" y="2619687"/>
-            <a:ext cx="1664225" cy="1618625"/>
-          </a:xfrm>
-          <a:prstGeom prst="rect">
-            <a:avLst/>
-          </a:prstGeom>
-          <a:noFill/>
-          <a:ln>
-            <a:noFill/>
-          </a:ln>
-        </p:spPr>
-      </p:pic>
     </p:spTree>
   </p:cSld>
   <p:clrMapOvr>
@@ -5391,11 +5616,11 @@
 </file>
 
 <file path=ppt/slides/slide5.xml><?xml version="1.0" encoding="utf-8"?>
-<p:sld xmlns:a="http://schemas.openxmlformats.org/drawingml/2006/main" xmlns:r="http://schemas.openxmlformats.org/officeDocument/2006/relationships" xmlns:mc="http://schemas.openxmlformats.org/markup-compatibility/2006" xmlns:mv="urn:schemas-microsoft-com:mac:vml" xmlns:p="http://schemas.openxmlformats.org/presentationml/2006/main" xmlns:c="http://schemas.openxmlformats.org/drawingml/2006/chart" xmlns:dgm="http://schemas.openxmlformats.org/drawingml/2006/diagram" xmlns:o="urn:schemas-microsoft-com:office:office" xmlns:v="urn:schemas-microsoft-com:vml" xmlns:pvml="urn:schemas-microsoft-com:office:powerpoint" xmlns:com="http://schemas.openxmlformats.org/drawingml/2006/compatibility" xmlns:p14="http://schemas.microsoft.com/office/powerpoint/2010/main">
+<p:sld xmlns:a="http://schemas.openxmlformats.org/drawingml/2006/main" xmlns:r="http://schemas.openxmlformats.org/officeDocument/2006/relationships" xmlns:p="http://schemas.openxmlformats.org/presentationml/2006/main">
   <p:cSld>
     <p:spTree>
       <p:nvGrpSpPr>
-        <p:cNvPr id="85" name="Shape 85"/>
+        <p:cNvPr id="1" name="Shape 85"/>
         <p:cNvGrpSpPr/>
         <p:nvPr/>
       </p:nvGrpSpPr>
@@ -5410,7 +5635,9 @@
       <p:sp>
         <p:nvSpPr>
           <p:cNvPr id="86" name="Shape 86"/>
-          <p:cNvSpPr txBox="1"/>
+          <p:cNvSpPr txBox="1">
+            <a:spLocks noGrp="1"/>
+          </p:cNvSpPr>
           <p:nvPr>
             <p:ph type="title"/>
           </p:nvPr>
@@ -5425,7 +5652,7 @@
           </a:prstGeom>
         </p:spPr>
         <p:txBody>
-          <a:bodyPr anchorCtr="0" anchor="t" bIns="91425" lIns="91425" rIns="91425" tIns="91425">
+          <a:bodyPr lIns="91425" tIns="91425" rIns="91425" bIns="91425" anchor="t" anchorCtr="0">
             <a:noAutofit/>
           </a:bodyPr>
           <a:lstStyle/>
@@ -5446,9 +5673,11 @@
       <p:sp>
         <p:nvSpPr>
           <p:cNvPr id="87" name="Shape 87"/>
-          <p:cNvSpPr txBox="1"/>
+          <p:cNvSpPr txBox="1">
+            <a:spLocks noGrp="1"/>
+          </p:cNvSpPr>
           <p:nvPr>
-            <p:ph idx="1" type="body"/>
+            <p:ph type="body" idx="1"/>
           </p:nvPr>
         </p:nvSpPr>
         <p:spPr>
@@ -5461,59 +5690,59 @@
           </a:prstGeom>
         </p:spPr>
         <p:txBody>
-          <a:bodyPr anchorCtr="0" anchor="t" bIns="91425" lIns="91425" rIns="91425" tIns="91425">
+          <a:bodyPr lIns="91425" tIns="91425" rIns="91425" bIns="91425" anchor="t" anchorCtr="0">
             <a:noAutofit/>
           </a:bodyPr>
           <a:lstStyle/>
           <a:p>
-            <a:pPr indent="-381000" lvl="0" marL="457200" rtl="0">
+            <a:pPr marL="457200" lvl="0" indent="-381000" rtl="0">
               <a:spcBef>
                 <a:spcPts val="0"/>
               </a:spcBef>
               <a:buSzPct val="100000"/>
             </a:pPr>
             <a:r>
-              <a:rPr lang="en" sz="2400"/>
+              <a:rPr lang="en" sz="2000" dirty="0"/>
               <a:t>Formerly owned by Google, now maintained by independent developers. </a:t>
             </a:r>
           </a:p>
           <a:p>
-            <a:pPr indent="-381000" lvl="0" marL="457200" rtl="0">
+            <a:pPr marL="457200" lvl="0" indent="-381000" rtl="0">
               <a:spcBef>
                 <a:spcPts val="0"/>
               </a:spcBef>
               <a:buSzPct val="100000"/>
             </a:pPr>
             <a:r>
-              <a:rPr lang="en" sz="2400"/>
+              <a:rPr lang="en" sz="2000" dirty="0"/>
               <a:t>Free, open source tool that makes it easy to clean and transform large data sets. </a:t>
             </a:r>
           </a:p>
           <a:p>
-            <a:pPr indent="-381000" lvl="0" marL="457200" rtl="0">
+            <a:pPr marL="457200" lvl="0" indent="-381000" rtl="0">
               <a:spcBef>
                 <a:spcPts val="0"/>
               </a:spcBef>
               <a:buSzPct val="100000"/>
             </a:pPr>
             <a:r>
-              <a:rPr lang="en" sz="2400"/>
+              <a:rPr lang="en" sz="2000" dirty="0"/>
               <a:t>You can find problems in your data set without knowing about them in advance. </a:t>
             </a:r>
           </a:p>
           <a:p>
-            <a:pPr indent="-381000" lvl="0" marL="457200" rtl="0">
+            <a:pPr marL="457200" lvl="0" indent="-381000" rtl="0">
               <a:spcBef>
                 <a:spcPts val="0"/>
               </a:spcBef>
               <a:buSzPct val="100000"/>
             </a:pPr>
             <a:r>
-              <a:rPr lang="en" sz="2400"/>
+              <a:rPr lang="en" sz="2000" dirty="0"/>
               <a:t>Requires downloading the software in order to use (</a:t>
             </a:r>
             <a:r>
-              <a:rPr lang="en" sz="2400" u="sng">
+              <a:rPr lang="en" sz="2000" u="sng" dirty="0">
                 <a:solidFill>
                   <a:schemeClr val="hlink"/>
                 </a:solidFill>
@@ -5522,23 +5751,23 @@
               <a:t>http://openrefine.org/download.html</a:t>
             </a:r>
             <a:r>
-              <a:rPr lang="en" sz="2400"/>
+              <a:rPr lang="en" sz="2000" dirty="0"/>
               <a:t>) </a:t>
             </a:r>
           </a:p>
           <a:p>
-            <a:pPr indent="-381000" lvl="0" marL="457200" rtl="0">
+            <a:pPr marL="457200" lvl="0" indent="-381000" rtl="0">
               <a:spcBef>
                 <a:spcPts val="0"/>
               </a:spcBef>
               <a:buSzPct val="100000"/>
             </a:pPr>
             <a:r>
-              <a:rPr lang="en" sz="2400"/>
+              <a:rPr lang="en" sz="2000" dirty="0"/>
               <a:t>GREL documentation: </a:t>
             </a:r>
             <a:r>
-              <a:rPr lang="en" sz="2400" u="sng">
+              <a:rPr lang="en" sz="2000" u="sng" dirty="0">
                 <a:solidFill>
                   <a:schemeClr val="hlink"/>
                 </a:solidFill>
@@ -5554,10 +5783,7 @@
               </a:spcBef>
               <a:buNone/>
             </a:pPr>
-            <a:r>
-              <a:t/>
-            </a:r>
-            <a:endParaRPr sz="2400"/>
+            <a:endParaRPr sz="2000" dirty="0"/>
           </a:p>
         </p:txBody>
       </p:sp>
@@ -5570,11 +5796,11 @@
 </file>
 
 <file path=ppt/slides/slide6.xml><?xml version="1.0" encoding="utf-8"?>
-<p:sld xmlns:a="http://schemas.openxmlformats.org/drawingml/2006/main" xmlns:r="http://schemas.openxmlformats.org/officeDocument/2006/relationships" xmlns:mc="http://schemas.openxmlformats.org/markup-compatibility/2006" xmlns:mv="urn:schemas-microsoft-com:mac:vml" xmlns:p="http://schemas.openxmlformats.org/presentationml/2006/main" xmlns:c="http://schemas.openxmlformats.org/drawingml/2006/chart" xmlns:dgm="http://schemas.openxmlformats.org/drawingml/2006/diagram" xmlns:o="urn:schemas-microsoft-com:office:office" xmlns:v="urn:schemas-microsoft-com:vml" xmlns:pvml="urn:schemas-microsoft-com:office:powerpoint" xmlns:com="http://schemas.openxmlformats.org/drawingml/2006/compatibility" xmlns:p14="http://schemas.microsoft.com/office/powerpoint/2010/main">
+<p:sld xmlns:a="http://schemas.openxmlformats.org/drawingml/2006/main" xmlns:r="http://schemas.openxmlformats.org/officeDocument/2006/relationships" xmlns:p="http://schemas.openxmlformats.org/presentationml/2006/main">
   <p:cSld>
     <p:spTree>
       <p:nvGrpSpPr>
-        <p:cNvPr id="91" name="Shape 91"/>
+        <p:cNvPr id="1" name="Shape 91"/>
         <p:cNvGrpSpPr/>
         <p:nvPr/>
       </p:nvGrpSpPr>
@@ -5589,7 +5815,9 @@
       <p:sp>
         <p:nvSpPr>
           <p:cNvPr id="92" name="Shape 92"/>
-          <p:cNvSpPr txBox="1"/>
+          <p:cNvSpPr txBox="1">
+            <a:spLocks noGrp="1"/>
+          </p:cNvSpPr>
           <p:nvPr>
             <p:ph type="title"/>
           </p:nvPr>
@@ -5604,7 +5832,7 @@
           </a:prstGeom>
         </p:spPr>
         <p:txBody>
-          <a:bodyPr anchorCtr="0" anchor="t" bIns="91425" lIns="91425" rIns="91425" tIns="91425">
+          <a:bodyPr lIns="91425" tIns="91425" rIns="91425" bIns="91425" anchor="t" anchorCtr="0">
             <a:noAutofit/>
           </a:bodyPr>
           <a:lstStyle/>
@@ -5625,9 +5853,11 @@
       <p:sp>
         <p:nvSpPr>
           <p:cNvPr id="93" name="Shape 93"/>
-          <p:cNvSpPr txBox="1"/>
+          <p:cNvSpPr txBox="1">
+            <a:spLocks noGrp="1"/>
+          </p:cNvSpPr>
           <p:nvPr>
-            <p:ph idx="1" type="body"/>
+            <p:ph type="body" idx="1"/>
           </p:nvPr>
         </p:nvSpPr>
         <p:spPr>
@@ -5640,12 +5870,12 @@
           </a:prstGeom>
         </p:spPr>
         <p:txBody>
-          <a:bodyPr anchorCtr="0" anchor="t" bIns="91425" lIns="91425" rIns="91425" tIns="91425">
+          <a:bodyPr lIns="91425" tIns="91425" rIns="91425" bIns="91425" anchor="t" anchorCtr="0">
             <a:noAutofit/>
           </a:bodyPr>
           <a:lstStyle/>
           <a:p>
-            <a:pPr lvl="0" rtl="0" algn="ctr">
+            <a:pPr lvl="0" algn="ctr" rtl="0">
               <a:lnSpc>
                 <a:spcPct val="100000"/>
               </a:lnSpc>
@@ -5657,9 +5887,6 @@
               </a:spcAft>
               <a:buNone/>
             </a:pPr>
-            <a:r>
-              <a:t/>
-            </a:r>
             <a:endParaRPr sz="5500"/>
           </a:p>
           <a:p>
@@ -5676,7 +5903,7 @@
               <a:buNone/>
             </a:pPr>
             <a:r>
-              <a:rPr b="1" lang="en" sz="5500" u="sng">
+              <a:rPr lang="en" sz="5500" b="1" u="sng">
                 <a:solidFill>
                   <a:schemeClr val="accent5"/>
                 </a:solidFill>
@@ -5696,7 +5923,288 @@
 </file>
 
 <file path=ppt/theme/theme1.xml><?xml version="1.0" encoding="utf-8"?>
-<a:theme xmlns:a="http://schemas.openxmlformats.org/drawingml/2006/main" xmlns:r="http://schemas.openxmlformats.org/officeDocument/2006/relationships" name="Custom Theme">
+<a:theme xmlns:a="http://schemas.openxmlformats.org/drawingml/2006/main" name="slate">
+  <a:themeElements>
+    <a:clrScheme name="Slate">
+      <a:dk1>
+        <a:srgbClr val="FFFFFF"/>
+      </a:dk1>
+      <a:lt1>
+        <a:srgbClr val="37474F"/>
+      </a:lt1>
+      <a:dk2>
+        <a:srgbClr val="9E9E9E"/>
+      </a:dk2>
+      <a:lt2>
+        <a:srgbClr val="E0E0E0"/>
+      </a:lt2>
+      <a:accent1>
+        <a:srgbClr val="616161"/>
+      </a:accent1>
+      <a:accent2>
+        <a:srgbClr val="78909C"/>
+      </a:accent2>
+      <a:accent3>
+        <a:srgbClr val="CACACA"/>
+      </a:accent3>
+      <a:accent4>
+        <a:srgbClr val="64FFDA"/>
+      </a:accent4>
+      <a:accent5>
+        <a:srgbClr val="FFD966"/>
+      </a:accent5>
+      <a:accent6>
+        <a:srgbClr val="F5F5F5"/>
+      </a:accent6>
+      <a:hlink>
+        <a:srgbClr val="FFD966"/>
+      </a:hlink>
+      <a:folHlink>
+        <a:srgbClr val="FFD966"/>
+      </a:folHlink>
+    </a:clrScheme>
+    <a:fontScheme name="Office">
+      <a:majorFont>
+        <a:latin typeface="Arial"/>
+        <a:ea typeface=""/>
+        <a:cs typeface=""/>
+        <a:font script="Jpan" typeface="ＭＳ Ｐゴシック"/>
+        <a:font script="Hang" typeface="맑은 고딕"/>
+        <a:font script="Hans" typeface="宋体"/>
+        <a:font script="Hant" typeface="新細明體"/>
+        <a:font script="Arab" typeface="Times New Roman"/>
+        <a:font script="Hebr" typeface="Times New Roman"/>
+        <a:font script="Thai" typeface="Angsana New"/>
+        <a:font script="Ethi" typeface="Nyala"/>
+        <a:font script="Beng" typeface="Vrinda"/>
+        <a:font script="Gujr" typeface="Shruti"/>
+        <a:font script="Khmr" typeface="MoolBoran"/>
+        <a:font script="Knda" typeface="Tunga"/>
+        <a:font script="Guru" typeface="Raavi"/>
+        <a:font script="Cans" typeface="Euphemia"/>
+        <a:font script="Cher" typeface="Plantagenet Cherokee"/>
+        <a:font script="Yiii" typeface="Microsoft Yi Baiti"/>
+        <a:font script="Tibt" typeface="Microsoft Himalaya"/>
+        <a:font script="Thaa" typeface="MV Boli"/>
+        <a:font script="Deva" typeface="Mangal"/>
+        <a:font script="Telu" typeface="Gautami"/>
+        <a:font script="Taml" typeface="Latha"/>
+        <a:font script="Syrc" typeface="Estrangelo Edessa"/>
+        <a:font script="Orya" typeface="Kalinga"/>
+        <a:font script="Mlym" typeface="Kartika"/>
+        <a:font script="Laoo" typeface="DokChampa"/>
+        <a:font script="Sinh" typeface="Iskoola Pota"/>
+        <a:font script="Mong" typeface="Mongolian Baiti"/>
+        <a:font script="Viet" typeface="Times New Roman"/>
+        <a:font script="Uigh" typeface="Microsoft Uighur"/>
+        <a:font script="Geor" typeface="Sylfaen"/>
+      </a:majorFont>
+      <a:minorFont>
+        <a:latin typeface="Arial"/>
+        <a:ea typeface=""/>
+        <a:cs typeface=""/>
+        <a:font script="Jpan" typeface="ＭＳ Ｐゴシック"/>
+        <a:font script="Hang" typeface="맑은 고딕"/>
+        <a:font script="Hans" typeface="宋体"/>
+        <a:font script="Hant" typeface="新細明體"/>
+        <a:font script="Arab" typeface="Arial"/>
+        <a:font script="Hebr" typeface="Arial"/>
+        <a:font script="Thai" typeface="Cordia New"/>
+        <a:font script="Ethi" typeface="Nyala"/>
+        <a:font script="Beng" typeface="Vrinda"/>
+        <a:font script="Gujr" typeface="Shruti"/>
+        <a:font script="Khmr" typeface="DaunPenh"/>
+        <a:font script="Knda" typeface="Tunga"/>
+        <a:font script="Guru" typeface="Raavi"/>
+        <a:font script="Cans" typeface="Euphemia"/>
+        <a:font script="Cher" typeface="Plantagenet Cherokee"/>
+        <a:font script="Yiii" typeface="Microsoft Yi Baiti"/>
+        <a:font script="Tibt" typeface="Microsoft Himalaya"/>
+        <a:font script="Thaa" typeface="MV Boli"/>
+        <a:font script="Deva" typeface="Mangal"/>
+        <a:font script="Telu" typeface="Gautami"/>
+        <a:font script="Taml" typeface="Latha"/>
+        <a:font script="Syrc" typeface="Estrangelo Edessa"/>
+        <a:font script="Orya" typeface="Kalinga"/>
+        <a:font script="Mlym" typeface="Kartika"/>
+        <a:font script="Laoo" typeface="DokChampa"/>
+        <a:font script="Sinh" typeface="Iskoola Pota"/>
+        <a:font script="Mong" typeface="Mongolian Baiti"/>
+        <a:font script="Viet" typeface="Arial"/>
+        <a:font script="Uigh" typeface="Microsoft Uighur"/>
+        <a:font script="Geor" typeface="Sylfaen"/>
+      </a:minorFont>
+    </a:fontScheme>
+    <a:fmtScheme name="Office">
+      <a:fillStyleLst>
+        <a:solidFill>
+          <a:schemeClr val="phClr"/>
+        </a:solidFill>
+        <a:gradFill rotWithShape="1">
+          <a:gsLst>
+            <a:gs pos="0">
+              <a:schemeClr val="phClr">
+                <a:tint val="50000"/>
+                <a:satMod val="300000"/>
+              </a:schemeClr>
+            </a:gs>
+            <a:gs pos="35000">
+              <a:schemeClr val="phClr">
+                <a:tint val="37000"/>
+                <a:satMod val="300000"/>
+              </a:schemeClr>
+            </a:gs>
+            <a:gs pos="100000">
+              <a:schemeClr val="phClr">
+                <a:tint val="15000"/>
+                <a:satMod val="350000"/>
+              </a:schemeClr>
+            </a:gs>
+          </a:gsLst>
+          <a:lin ang="16200000" scaled="1"/>
+        </a:gradFill>
+        <a:gradFill rotWithShape="1">
+          <a:gsLst>
+            <a:gs pos="0">
+              <a:schemeClr val="phClr">
+                <a:tint val="100000"/>
+                <a:shade val="100000"/>
+                <a:satMod val="130000"/>
+              </a:schemeClr>
+            </a:gs>
+            <a:gs pos="100000">
+              <a:schemeClr val="phClr">
+                <a:tint val="50000"/>
+                <a:shade val="100000"/>
+                <a:satMod val="350000"/>
+              </a:schemeClr>
+            </a:gs>
+          </a:gsLst>
+          <a:lin ang="16200000" scaled="0"/>
+        </a:gradFill>
+      </a:fillStyleLst>
+      <a:lnStyleLst>
+        <a:ln w="9525" cap="flat" cmpd="sng" algn="ctr">
+          <a:solidFill>
+            <a:schemeClr val="phClr">
+              <a:shade val="95000"/>
+              <a:satMod val="105000"/>
+            </a:schemeClr>
+          </a:solidFill>
+          <a:prstDash val="solid"/>
+        </a:ln>
+        <a:ln w="25400" cap="flat" cmpd="sng" algn="ctr">
+          <a:solidFill>
+            <a:schemeClr val="phClr"/>
+          </a:solidFill>
+          <a:prstDash val="solid"/>
+        </a:ln>
+        <a:ln w="38100" cap="flat" cmpd="sng" algn="ctr">
+          <a:solidFill>
+            <a:schemeClr val="phClr"/>
+          </a:solidFill>
+          <a:prstDash val="solid"/>
+        </a:ln>
+      </a:lnStyleLst>
+      <a:effectStyleLst>
+        <a:effectStyle>
+          <a:effectLst>
+            <a:outerShdw blurRad="40000" dist="20000" dir="5400000" rotWithShape="0">
+              <a:srgbClr val="000000">
+                <a:alpha val="38000"/>
+              </a:srgbClr>
+            </a:outerShdw>
+          </a:effectLst>
+        </a:effectStyle>
+        <a:effectStyle>
+          <a:effectLst>
+            <a:outerShdw blurRad="40000" dist="23000" dir="5400000" rotWithShape="0">
+              <a:srgbClr val="000000">
+                <a:alpha val="35000"/>
+              </a:srgbClr>
+            </a:outerShdw>
+          </a:effectLst>
+        </a:effectStyle>
+        <a:effectStyle>
+          <a:effectLst>
+            <a:outerShdw blurRad="40000" dist="23000" dir="5400000" rotWithShape="0">
+              <a:srgbClr val="000000">
+                <a:alpha val="35000"/>
+              </a:srgbClr>
+            </a:outerShdw>
+          </a:effectLst>
+          <a:scene3d>
+            <a:camera prst="orthographicFront">
+              <a:rot lat="0" lon="0" rev="0"/>
+            </a:camera>
+            <a:lightRig rig="threePt" dir="t">
+              <a:rot lat="0" lon="0" rev="1200000"/>
+            </a:lightRig>
+          </a:scene3d>
+          <a:sp3d>
+            <a:bevelT w="63500" h="25400"/>
+          </a:sp3d>
+        </a:effectStyle>
+      </a:effectStyleLst>
+      <a:bgFillStyleLst>
+        <a:solidFill>
+          <a:schemeClr val="phClr"/>
+        </a:solidFill>
+        <a:gradFill rotWithShape="1">
+          <a:gsLst>
+            <a:gs pos="0">
+              <a:schemeClr val="phClr">
+                <a:tint val="40000"/>
+                <a:satMod val="350000"/>
+              </a:schemeClr>
+            </a:gs>
+            <a:gs pos="40000">
+              <a:schemeClr val="phClr">
+                <a:tint val="45000"/>
+                <a:shade val="99000"/>
+                <a:satMod val="350000"/>
+              </a:schemeClr>
+            </a:gs>
+            <a:gs pos="100000">
+              <a:schemeClr val="phClr">
+                <a:shade val="20000"/>
+                <a:satMod val="255000"/>
+              </a:schemeClr>
+            </a:gs>
+          </a:gsLst>
+          <a:path path="circle">
+            <a:fillToRect l="50000" t="-80000" r="50000" b="180000"/>
+          </a:path>
+        </a:gradFill>
+        <a:gradFill rotWithShape="1">
+          <a:gsLst>
+            <a:gs pos="0">
+              <a:schemeClr val="phClr">
+                <a:tint val="80000"/>
+                <a:satMod val="300000"/>
+              </a:schemeClr>
+            </a:gs>
+            <a:gs pos="100000">
+              <a:schemeClr val="phClr">
+                <a:shade val="30000"/>
+                <a:satMod val="200000"/>
+              </a:schemeClr>
+            </a:gs>
+          </a:gsLst>
+          <a:path path="circle">
+            <a:fillToRect l="50000" t="50000" r="50000" b="50000"/>
+          </a:path>
+        </a:gradFill>
+      </a:bgFillStyleLst>
+    </a:fmtScheme>
+  </a:themeElements>
+  <a:objectDefaults/>
+  <a:extraClrSchemeLst/>
+</a:theme>
+</file>
+
+<file path=ppt/theme/theme2.xml><?xml version="1.0" encoding="utf-8"?>
+<a:theme xmlns:a="http://schemas.openxmlformats.org/drawingml/2006/main" name="Custom Theme">
   <a:themeElements>
     <a:clrScheme name="Default">
       <a:dk1>
@@ -5971,284 +6479,7 @@
       </a:bgFillStyleLst>
     </a:fmtScheme>
   </a:themeElements>
-</a:theme>
-</file>
-
-<file path=ppt/theme/theme2.xml><?xml version="1.0" encoding="utf-8"?>
-<a:theme xmlns:a="http://schemas.openxmlformats.org/drawingml/2006/main" xmlns:r="http://schemas.openxmlformats.org/officeDocument/2006/relationships" name="slate">
-  <a:themeElements>
-    <a:clrScheme name="Slate">
-      <a:dk1>
-        <a:srgbClr val="FFFFFF"/>
-      </a:dk1>
-      <a:lt1>
-        <a:srgbClr val="37474F"/>
-      </a:lt1>
-      <a:dk2>
-        <a:srgbClr val="9E9E9E"/>
-      </a:dk2>
-      <a:lt2>
-        <a:srgbClr val="E0E0E0"/>
-      </a:lt2>
-      <a:accent1>
-        <a:srgbClr val="616161"/>
-      </a:accent1>
-      <a:accent2>
-        <a:srgbClr val="78909C"/>
-      </a:accent2>
-      <a:accent3>
-        <a:srgbClr val="CACACA"/>
-      </a:accent3>
-      <a:accent4>
-        <a:srgbClr val="64FFDA"/>
-      </a:accent4>
-      <a:accent5>
-        <a:srgbClr val="FFD966"/>
-      </a:accent5>
-      <a:accent6>
-        <a:srgbClr val="F5F5F5"/>
-      </a:accent6>
-      <a:hlink>
-        <a:srgbClr val="FFD966"/>
-      </a:hlink>
-      <a:folHlink>
-        <a:srgbClr val="FFD966"/>
-      </a:folHlink>
-    </a:clrScheme>
-    <a:fontScheme name="Office">
-      <a:majorFont>
-        <a:latin typeface="Arial"/>
-        <a:ea typeface=""/>
-        <a:cs typeface=""/>
-        <a:font script="Jpan" typeface="ＭＳ Ｐゴシック"/>
-        <a:font script="Hang" typeface="맑은 고딕"/>
-        <a:font script="Hans" typeface="宋体"/>
-        <a:font script="Hant" typeface="新細明體"/>
-        <a:font script="Arab" typeface="Times New Roman"/>
-        <a:font script="Hebr" typeface="Times New Roman"/>
-        <a:font script="Thai" typeface="Angsana New"/>
-        <a:font script="Ethi" typeface="Nyala"/>
-        <a:font script="Beng" typeface="Vrinda"/>
-        <a:font script="Gujr" typeface="Shruti"/>
-        <a:font script="Khmr" typeface="MoolBoran"/>
-        <a:font script="Knda" typeface="Tunga"/>
-        <a:font script="Guru" typeface="Raavi"/>
-        <a:font script="Cans" typeface="Euphemia"/>
-        <a:font script="Cher" typeface="Plantagenet Cherokee"/>
-        <a:font script="Yiii" typeface="Microsoft Yi Baiti"/>
-        <a:font script="Tibt" typeface="Microsoft Himalaya"/>
-        <a:font script="Thaa" typeface="MV Boli"/>
-        <a:font script="Deva" typeface="Mangal"/>
-        <a:font script="Telu" typeface="Gautami"/>
-        <a:font script="Taml" typeface="Latha"/>
-        <a:font script="Syrc" typeface="Estrangelo Edessa"/>
-        <a:font script="Orya" typeface="Kalinga"/>
-        <a:font script="Mlym" typeface="Kartika"/>
-        <a:font script="Laoo" typeface="DokChampa"/>
-        <a:font script="Sinh" typeface="Iskoola Pota"/>
-        <a:font script="Mong" typeface="Mongolian Baiti"/>
-        <a:font script="Viet" typeface="Times New Roman"/>
-        <a:font script="Uigh" typeface="Microsoft Uighur"/>
-        <a:font script="Geor" typeface="Sylfaen"/>
-      </a:majorFont>
-      <a:minorFont>
-        <a:latin typeface="Arial"/>
-        <a:ea typeface=""/>
-        <a:cs typeface=""/>
-        <a:font script="Jpan" typeface="ＭＳ Ｐゴシック"/>
-        <a:font script="Hang" typeface="맑은 고딕"/>
-        <a:font script="Hans" typeface="宋体"/>
-        <a:font script="Hant" typeface="新細明體"/>
-        <a:font script="Arab" typeface="Arial"/>
-        <a:font script="Hebr" typeface="Arial"/>
-        <a:font script="Thai" typeface="Cordia New"/>
-        <a:font script="Ethi" typeface="Nyala"/>
-        <a:font script="Beng" typeface="Vrinda"/>
-        <a:font script="Gujr" typeface="Shruti"/>
-        <a:font script="Khmr" typeface="DaunPenh"/>
-        <a:font script="Knda" typeface="Tunga"/>
-        <a:font script="Guru" typeface="Raavi"/>
-        <a:font script="Cans" typeface="Euphemia"/>
-        <a:font script="Cher" typeface="Plantagenet Cherokee"/>
-        <a:font script="Yiii" typeface="Microsoft Yi Baiti"/>
-        <a:font script="Tibt" typeface="Microsoft Himalaya"/>
-        <a:font script="Thaa" typeface="MV Boli"/>
-        <a:font script="Deva" typeface="Mangal"/>
-        <a:font script="Telu" typeface="Gautami"/>
-        <a:font script="Taml" typeface="Latha"/>
-        <a:font script="Syrc" typeface="Estrangelo Edessa"/>
-        <a:font script="Orya" typeface="Kalinga"/>
-        <a:font script="Mlym" typeface="Kartika"/>
-        <a:font script="Laoo" typeface="DokChampa"/>
-        <a:font script="Sinh" typeface="Iskoola Pota"/>
-        <a:font script="Mong" typeface="Mongolian Baiti"/>
-        <a:font script="Viet" typeface="Arial"/>
-        <a:font script="Uigh" typeface="Microsoft Uighur"/>
-        <a:font script="Geor" typeface="Sylfaen"/>
-      </a:minorFont>
-    </a:fontScheme>
-    <a:fmtScheme name="Office">
-      <a:fillStyleLst>
-        <a:solidFill>
-          <a:schemeClr val="phClr"/>
-        </a:solidFill>
-        <a:gradFill rotWithShape="1">
-          <a:gsLst>
-            <a:gs pos="0">
-              <a:schemeClr val="phClr">
-                <a:tint val="50000"/>
-                <a:satMod val="300000"/>
-              </a:schemeClr>
-            </a:gs>
-            <a:gs pos="35000">
-              <a:schemeClr val="phClr">
-                <a:tint val="37000"/>
-                <a:satMod val="300000"/>
-              </a:schemeClr>
-            </a:gs>
-            <a:gs pos="100000">
-              <a:schemeClr val="phClr">
-                <a:tint val="15000"/>
-                <a:satMod val="350000"/>
-              </a:schemeClr>
-            </a:gs>
-          </a:gsLst>
-          <a:lin ang="16200000" scaled="1"/>
-        </a:gradFill>
-        <a:gradFill rotWithShape="1">
-          <a:gsLst>
-            <a:gs pos="0">
-              <a:schemeClr val="phClr">
-                <a:tint val="100000"/>
-                <a:shade val="100000"/>
-                <a:satMod val="130000"/>
-              </a:schemeClr>
-            </a:gs>
-            <a:gs pos="100000">
-              <a:schemeClr val="phClr">
-                <a:tint val="50000"/>
-                <a:shade val="100000"/>
-                <a:satMod val="350000"/>
-              </a:schemeClr>
-            </a:gs>
-          </a:gsLst>
-          <a:lin ang="16200000" scaled="0"/>
-        </a:gradFill>
-      </a:fillStyleLst>
-      <a:lnStyleLst>
-        <a:ln w="9525" cap="flat" cmpd="sng" algn="ctr">
-          <a:solidFill>
-            <a:schemeClr val="phClr">
-              <a:shade val="95000"/>
-              <a:satMod val="105000"/>
-            </a:schemeClr>
-          </a:solidFill>
-          <a:prstDash val="solid"/>
-        </a:ln>
-        <a:ln w="25400" cap="flat" cmpd="sng" algn="ctr">
-          <a:solidFill>
-            <a:schemeClr val="phClr"/>
-          </a:solidFill>
-          <a:prstDash val="solid"/>
-        </a:ln>
-        <a:ln w="38100" cap="flat" cmpd="sng" algn="ctr">
-          <a:solidFill>
-            <a:schemeClr val="phClr"/>
-          </a:solidFill>
-          <a:prstDash val="solid"/>
-        </a:ln>
-      </a:lnStyleLst>
-      <a:effectStyleLst>
-        <a:effectStyle>
-          <a:effectLst>
-            <a:outerShdw blurRad="40000" dist="20000" dir="5400000" rotWithShape="0">
-              <a:srgbClr val="000000">
-                <a:alpha val="38000"/>
-              </a:srgbClr>
-            </a:outerShdw>
-          </a:effectLst>
-        </a:effectStyle>
-        <a:effectStyle>
-          <a:effectLst>
-            <a:outerShdw blurRad="40000" dist="23000" dir="5400000" rotWithShape="0">
-              <a:srgbClr val="000000">
-                <a:alpha val="35000"/>
-              </a:srgbClr>
-            </a:outerShdw>
-          </a:effectLst>
-        </a:effectStyle>
-        <a:effectStyle>
-          <a:effectLst>
-            <a:outerShdw blurRad="40000" dist="23000" dir="5400000" rotWithShape="0">
-              <a:srgbClr val="000000">
-                <a:alpha val="35000"/>
-              </a:srgbClr>
-            </a:outerShdw>
-          </a:effectLst>
-          <a:scene3d>
-            <a:camera prst="orthographicFront">
-              <a:rot lat="0" lon="0" rev="0"/>
-            </a:camera>
-            <a:lightRig rig="threePt" dir="t">
-              <a:rot lat="0" lon="0" rev="1200000"/>
-            </a:lightRig>
-          </a:scene3d>
-          <a:sp3d>
-            <a:bevelT w="63500" h="25400"/>
-          </a:sp3d>
-        </a:effectStyle>
-      </a:effectStyleLst>
-      <a:bgFillStyleLst>
-        <a:solidFill>
-          <a:schemeClr val="phClr"/>
-        </a:solidFill>
-        <a:gradFill rotWithShape="1">
-          <a:gsLst>
-            <a:gs pos="0">
-              <a:schemeClr val="phClr">
-                <a:tint val="40000"/>
-                <a:satMod val="350000"/>
-              </a:schemeClr>
-            </a:gs>
-            <a:gs pos="40000">
-              <a:schemeClr val="phClr">
-                <a:tint val="45000"/>
-                <a:shade val="99000"/>
-                <a:satMod val="350000"/>
-              </a:schemeClr>
-            </a:gs>
-            <a:gs pos="100000">
-              <a:schemeClr val="phClr">
-                <a:shade val="20000"/>
-                <a:satMod val="255000"/>
-              </a:schemeClr>
-            </a:gs>
-          </a:gsLst>
-          <a:path path="circle">
-            <a:fillToRect l="50000" t="-80000" r="50000" b="180000"/>
-          </a:path>
-        </a:gradFill>
-        <a:gradFill rotWithShape="1">
-          <a:gsLst>
-            <a:gs pos="0">
-              <a:schemeClr val="phClr">
-                <a:tint val="80000"/>
-                <a:satMod val="300000"/>
-              </a:schemeClr>
-            </a:gs>
-            <a:gs pos="100000">
-              <a:schemeClr val="phClr">
-                <a:shade val="30000"/>
-                <a:satMod val="200000"/>
-              </a:schemeClr>
-            </a:gs>
-          </a:gsLst>
-          <a:path path="circle">
-            <a:fillToRect l="50000" t="50000" r="50000" b="50000"/>
-          </a:path>
-        </a:gradFill>
-      </a:bgFillStyleLst>
-    </a:fmtScheme>
-  </a:themeElements>
+  <a:objectDefaults/>
+  <a:extraClrSchemeLst/>
 </a:theme>
 </file>